--- a/companion-website/public/files/3. Ambassadors for Christ.pptx
+++ b/companion-website/public/files/3. Ambassadors for Christ.pptx
@@ -5,18 +5,21 @@
     <p:sldMasterId id="2147483648" r:id="rId1"/>
   </p:sldMasterIdLst>
   <p:notesMasterIdLst>
-    <p:notesMasterId r:id="rId11"/>
+    <p:notesMasterId r:id="rId14"/>
   </p:notesMasterIdLst>
   <p:sldIdLst>
     <p:sldId id="275" r:id="rId2"/>
-    <p:sldId id="438" r:id="rId3"/>
-    <p:sldId id="445" r:id="rId4"/>
-    <p:sldId id="446" r:id="rId5"/>
-    <p:sldId id="447" r:id="rId6"/>
-    <p:sldId id="448" r:id="rId7"/>
-    <p:sldId id="449" r:id="rId8"/>
-    <p:sldId id="444" r:id="rId9"/>
-    <p:sldId id="450" r:id="rId10"/>
+    <p:sldId id="455" r:id="rId3"/>
+    <p:sldId id="458" r:id="rId4"/>
+    <p:sldId id="438" r:id="rId5"/>
+    <p:sldId id="445" r:id="rId6"/>
+    <p:sldId id="446" r:id="rId7"/>
+    <p:sldId id="447" r:id="rId8"/>
+    <p:sldId id="448" r:id="rId9"/>
+    <p:sldId id="449" r:id="rId10"/>
+    <p:sldId id="444" r:id="rId11"/>
+    <p:sldId id="450" r:id="rId12"/>
+    <p:sldId id="462" r:id="rId13"/>
   </p:sldIdLst>
   <p:sldSz cx="9144000" cy="6858000" type="screen4x3"/>
   <p:notesSz cx="6858000" cy="9144000"/>
@@ -216,7 +219,7 @@
           <a:p>
             <a:fld id="{8F7EB338-8BB0-B64B-9F79-C87EA24D723F}" type="datetimeFigureOut">
               <a:rPr lang="en-US" smtClean="0"/>
-              <a:t>9/10/20</a:t>
+              <a:t>10/10/2020</a:t>
             </a:fld>
             <a:endParaRPr lang="en-US"/>
           </a:p>
@@ -567,6 +570,174 @@
 </p:notes>
 </file>
 
+<file path=ppt/notesSlides/notesSlide2.xml><?xml version="1.0" encoding="utf-8"?>
+<p:notes xmlns:a="http://schemas.openxmlformats.org/drawingml/2006/main" xmlns:r="http://schemas.openxmlformats.org/officeDocument/2006/relationships" xmlns:p="http://schemas.openxmlformats.org/presentationml/2006/main">
+  <p:cSld>
+    <p:spTree>
+      <p:nvGrpSpPr>
+        <p:cNvPr id="1" name=""/>
+        <p:cNvGrpSpPr/>
+        <p:nvPr/>
+      </p:nvGrpSpPr>
+      <p:grpSpPr>
+        <a:xfrm>
+          <a:off x="0" y="0"/>
+          <a:ext cx="0" cy="0"/>
+          <a:chOff x="0" y="0"/>
+          <a:chExt cx="0" cy="0"/>
+        </a:xfrm>
+      </p:grpSpPr>
+      <p:sp>
+        <p:nvSpPr>
+          <p:cNvPr id="2" name="Slide Image Placeholder 1"/>
+          <p:cNvSpPr>
+            <a:spLocks noGrp="1" noRot="1" noChangeAspect="1"/>
+          </p:cNvSpPr>
+          <p:nvPr>
+            <p:ph type="sldImg"/>
+          </p:nvPr>
+        </p:nvSpPr>
+        <p:spPr/>
+      </p:sp>
+      <p:sp>
+        <p:nvSpPr>
+          <p:cNvPr id="3" name="Notes Placeholder 2"/>
+          <p:cNvSpPr>
+            <a:spLocks noGrp="1"/>
+          </p:cNvSpPr>
+          <p:nvPr>
+            <p:ph type="body" idx="1"/>
+          </p:nvPr>
+        </p:nvSpPr>
+        <p:spPr/>
+        <p:txBody>
+          <a:bodyPr/>
+          <a:lstStyle/>
+          <a:p>
+            <a:endParaRPr lang="en-US" dirty="0"/>
+          </a:p>
+        </p:txBody>
+      </p:sp>
+      <p:sp>
+        <p:nvSpPr>
+          <p:cNvPr id="4" name="Slide Number Placeholder 3"/>
+          <p:cNvSpPr>
+            <a:spLocks noGrp="1"/>
+          </p:cNvSpPr>
+          <p:nvPr>
+            <p:ph type="sldNum" sz="quarter" idx="10"/>
+          </p:nvPr>
+        </p:nvSpPr>
+        <p:spPr/>
+        <p:txBody>
+          <a:bodyPr/>
+          <a:lstStyle/>
+          <a:p>
+            <a:fld id="{0A2C3B37-55FA-284F-9E83-751B4EA6E9B4}" type="slidenum">
+              <a:rPr lang="en-US" smtClean="0"/>
+              <a:t>2</a:t>
+            </a:fld>
+            <a:endParaRPr lang="en-US"/>
+          </a:p>
+        </p:txBody>
+      </p:sp>
+    </p:spTree>
+    <p:extLst>
+      <p:ext uri="{BB962C8B-B14F-4D97-AF65-F5344CB8AC3E}">
+        <p14:creationId xmlns:p14="http://schemas.microsoft.com/office/powerpoint/2010/main" val="2145522077"/>
+      </p:ext>
+    </p:extLst>
+  </p:cSld>
+  <p:clrMapOvr>
+    <a:masterClrMapping/>
+  </p:clrMapOvr>
+</p:notes>
+</file>
+
+<file path=ppt/notesSlides/notesSlide3.xml><?xml version="1.0" encoding="utf-8"?>
+<p:notes xmlns:a="http://schemas.openxmlformats.org/drawingml/2006/main" xmlns:r="http://schemas.openxmlformats.org/officeDocument/2006/relationships" xmlns:p="http://schemas.openxmlformats.org/presentationml/2006/main">
+  <p:cSld>
+    <p:spTree>
+      <p:nvGrpSpPr>
+        <p:cNvPr id="1" name=""/>
+        <p:cNvGrpSpPr/>
+        <p:nvPr/>
+      </p:nvGrpSpPr>
+      <p:grpSpPr>
+        <a:xfrm>
+          <a:off x="0" y="0"/>
+          <a:ext cx="0" cy="0"/>
+          <a:chOff x="0" y="0"/>
+          <a:chExt cx="0" cy="0"/>
+        </a:xfrm>
+      </p:grpSpPr>
+      <p:sp>
+        <p:nvSpPr>
+          <p:cNvPr id="2" name="Slide Image Placeholder 1"/>
+          <p:cNvSpPr>
+            <a:spLocks noGrp="1" noRot="1" noChangeAspect="1"/>
+          </p:cNvSpPr>
+          <p:nvPr>
+            <p:ph type="sldImg"/>
+          </p:nvPr>
+        </p:nvSpPr>
+        <p:spPr/>
+      </p:sp>
+      <p:sp>
+        <p:nvSpPr>
+          <p:cNvPr id="3" name="Notes Placeholder 2"/>
+          <p:cNvSpPr>
+            <a:spLocks noGrp="1"/>
+          </p:cNvSpPr>
+          <p:nvPr>
+            <p:ph type="body" idx="1"/>
+          </p:nvPr>
+        </p:nvSpPr>
+        <p:spPr/>
+        <p:txBody>
+          <a:bodyPr/>
+          <a:lstStyle/>
+          <a:p>
+            <a:endParaRPr lang="en-US" dirty="0"/>
+          </a:p>
+        </p:txBody>
+      </p:sp>
+      <p:sp>
+        <p:nvSpPr>
+          <p:cNvPr id="4" name="Slide Number Placeholder 3"/>
+          <p:cNvSpPr>
+            <a:spLocks noGrp="1"/>
+          </p:cNvSpPr>
+          <p:nvPr>
+            <p:ph type="sldNum" sz="quarter" idx="10"/>
+          </p:nvPr>
+        </p:nvSpPr>
+        <p:spPr/>
+        <p:txBody>
+          <a:bodyPr/>
+          <a:lstStyle/>
+          <a:p>
+            <a:fld id="{0A2C3B37-55FA-284F-9E83-751B4EA6E9B4}" type="slidenum">
+              <a:rPr lang="en-US" smtClean="0"/>
+              <a:t>12</a:t>
+            </a:fld>
+            <a:endParaRPr lang="en-US"/>
+          </a:p>
+        </p:txBody>
+      </p:sp>
+    </p:spTree>
+    <p:extLst>
+      <p:ext uri="{BB962C8B-B14F-4D97-AF65-F5344CB8AC3E}">
+        <p14:creationId xmlns:p14="http://schemas.microsoft.com/office/powerpoint/2010/main" val="1719854603"/>
+      </p:ext>
+    </p:extLst>
+  </p:cSld>
+  <p:clrMapOvr>
+    <a:masterClrMapping/>
+  </p:clrMapOvr>
+</p:notes>
+</file>
+
 <file path=ppt/slideLayouts/slideLayout1.xml><?xml version="1.0" encoding="utf-8"?>
 <p:sldLayout xmlns:a="http://schemas.openxmlformats.org/drawingml/2006/main" xmlns:r="http://schemas.openxmlformats.org/officeDocument/2006/relationships" xmlns:p="http://schemas.openxmlformats.org/presentationml/2006/main" type="title" preserve="1">
   <p:cSld name="Title Slide">
@@ -751,7 +922,7 @@
             <a:fld id="{DBE77699-C466-4996-ADED-71C8160E04A2}" type="datetimeFigureOut">
               <a:rPr lang="en-US" smtClean="0"/>
               <a:pPr/>
-              <a:t>9/10/20</a:t>
+              <a:t>10/10/2020</a:t>
             </a:fld>
             <a:endParaRPr lang="en-US"/>
           </a:p>
@@ -916,7 +1087,7 @@
             <a:fld id="{DBE77699-C466-4996-ADED-71C8160E04A2}" type="datetimeFigureOut">
               <a:rPr lang="en-US" smtClean="0"/>
               <a:pPr/>
-              <a:t>9/10/20</a:t>
+              <a:t>10/10/2020</a:t>
             </a:fld>
             <a:endParaRPr lang="en-US"/>
           </a:p>
@@ -1091,7 +1262,7 @@
             <a:fld id="{DBE77699-C466-4996-ADED-71C8160E04A2}" type="datetimeFigureOut">
               <a:rPr lang="en-US" smtClean="0"/>
               <a:pPr/>
-              <a:t>9/10/20</a:t>
+              <a:t>10/10/2020</a:t>
             </a:fld>
             <a:endParaRPr lang="en-US"/>
           </a:p>
@@ -1210,7 +1381,7 @@
             <a:fld id="{DBE77699-C466-4996-ADED-71C8160E04A2}" type="datetimeFigureOut">
               <a:rPr lang="en-US" smtClean="0"/>
               <a:pPr/>
-              <a:t>9/10/20</a:t>
+              <a:t>10/10/2020</a:t>
             </a:fld>
             <a:endParaRPr lang="en-US"/>
           </a:p>
@@ -1510,6 +1681,229 @@
 </p:sldLayout>
 </file>
 
+<file path=ppt/slideLayouts/slideLayout13.xml><?xml version="1.0" encoding="utf-8"?>
+<p:sldLayout xmlns:a="http://schemas.openxmlformats.org/drawingml/2006/main" xmlns:r="http://schemas.openxmlformats.org/officeDocument/2006/relationships" xmlns:p="http://schemas.openxmlformats.org/presentationml/2006/main" userDrawn="1">
+  <p:cSld name="1_Title and Content">
+    <p:spTree>
+      <p:nvGrpSpPr>
+        <p:cNvPr id="1" name=""/>
+        <p:cNvGrpSpPr/>
+        <p:nvPr/>
+      </p:nvGrpSpPr>
+      <p:grpSpPr>
+        <a:xfrm>
+          <a:off x="0" y="0"/>
+          <a:ext cx="0" cy="0"/>
+          <a:chOff x="0" y="0"/>
+          <a:chExt cx="0" cy="0"/>
+        </a:xfrm>
+      </p:grpSpPr>
+      <p:sp>
+        <p:nvSpPr>
+          <p:cNvPr id="2" name="Title 1"/>
+          <p:cNvSpPr>
+            <a:spLocks noGrp="1"/>
+          </p:cNvSpPr>
+          <p:nvPr>
+            <p:ph type="title"/>
+          </p:nvPr>
+        </p:nvSpPr>
+        <p:spPr>
+          <a:xfrm>
+            <a:off x="4417" y="0"/>
+            <a:ext cx="9144000" cy="838200"/>
+          </a:xfrm>
+        </p:spPr>
+        <p:txBody>
+          <a:bodyPr/>
+          <a:lstStyle>
+            <a:lvl1pPr>
+              <a:defRPr b="1"/>
+            </a:lvl1pPr>
+          </a:lstStyle>
+          <a:p>
+            <a:r>
+              <a:rPr lang="en-US" dirty="0"/>
+              <a:t>Click to edit Master title style</a:t>
+            </a:r>
+          </a:p>
+        </p:txBody>
+      </p:sp>
+      <p:sp>
+        <p:nvSpPr>
+          <p:cNvPr id="3" name="Content Placeholder 2"/>
+          <p:cNvSpPr>
+            <a:spLocks noGrp="1"/>
+          </p:cNvSpPr>
+          <p:nvPr>
+            <p:ph idx="1"/>
+          </p:nvPr>
+        </p:nvSpPr>
+        <p:spPr>
+          <a:xfrm>
+            <a:off x="0" y="1371600"/>
+            <a:ext cx="9144000" cy="4754563"/>
+          </a:xfrm>
+        </p:spPr>
+        <p:txBody>
+          <a:bodyPr/>
+          <a:lstStyle/>
+          <a:p>
+            <a:pPr lvl="0"/>
+            <a:r>
+              <a:rPr lang="en-US"/>
+              <a:t>Click to edit Master text styles</a:t>
+            </a:r>
+          </a:p>
+          <a:p>
+            <a:pPr lvl="1"/>
+            <a:r>
+              <a:rPr lang="en-US"/>
+              <a:t>Second level</a:t>
+            </a:r>
+          </a:p>
+          <a:p>
+            <a:pPr lvl="2"/>
+            <a:r>
+              <a:rPr lang="en-US"/>
+              <a:t>Third level</a:t>
+            </a:r>
+          </a:p>
+          <a:p>
+            <a:pPr lvl="3"/>
+            <a:r>
+              <a:rPr lang="en-US"/>
+              <a:t>Fourth level</a:t>
+            </a:r>
+          </a:p>
+          <a:p>
+            <a:pPr lvl="4"/>
+            <a:r>
+              <a:rPr lang="en-US"/>
+              <a:t>Fifth level</a:t>
+            </a:r>
+          </a:p>
+        </p:txBody>
+      </p:sp>
+      <p:sp>
+        <p:nvSpPr>
+          <p:cNvPr id="4" name="Date Placeholder 3"/>
+          <p:cNvSpPr>
+            <a:spLocks noGrp="1"/>
+          </p:cNvSpPr>
+          <p:nvPr>
+            <p:ph type="dt" sz="half" idx="10"/>
+          </p:nvPr>
+        </p:nvSpPr>
+        <p:spPr/>
+        <p:txBody>
+          <a:bodyPr/>
+          <a:lstStyle/>
+          <a:p>
+            <a:fld id="{DBE77699-C466-4996-ADED-71C8160E04A2}" type="datetimeFigureOut">
+              <a:rPr lang="en-US" smtClean="0"/>
+              <a:pPr/>
+              <a:t>10/10/2020</a:t>
+            </a:fld>
+            <a:endParaRPr lang="en-US"/>
+          </a:p>
+        </p:txBody>
+      </p:sp>
+      <p:sp>
+        <p:nvSpPr>
+          <p:cNvPr id="5" name="Footer Placeholder 4"/>
+          <p:cNvSpPr>
+            <a:spLocks noGrp="1"/>
+          </p:cNvSpPr>
+          <p:nvPr>
+            <p:ph type="ftr" sz="quarter" idx="11"/>
+          </p:nvPr>
+        </p:nvSpPr>
+        <p:spPr/>
+        <p:txBody>
+          <a:bodyPr/>
+          <a:lstStyle/>
+          <a:p>
+            <a:endParaRPr lang="en-US"/>
+          </a:p>
+        </p:txBody>
+      </p:sp>
+      <p:sp>
+        <p:nvSpPr>
+          <p:cNvPr id="6" name="Slide Number Placeholder 5"/>
+          <p:cNvSpPr>
+            <a:spLocks noGrp="1"/>
+          </p:cNvSpPr>
+          <p:nvPr>
+            <p:ph type="sldNum" sz="quarter" idx="12"/>
+          </p:nvPr>
+        </p:nvSpPr>
+        <p:spPr/>
+        <p:txBody>
+          <a:bodyPr/>
+          <a:lstStyle/>
+          <a:p>
+            <a:fld id="{ECD645EE-450D-4102-8FB2-AECCE2D0F3DF}" type="slidenum">
+              <a:rPr lang="en-US" smtClean="0"/>
+              <a:pPr/>
+              <a:t>‹#›</a:t>
+            </a:fld>
+            <a:endParaRPr lang="en-US"/>
+          </a:p>
+        </p:txBody>
+      </p:sp>
+      <p:sp>
+        <p:nvSpPr>
+          <p:cNvPr id="9" name="Text Placeholder 8"/>
+          <p:cNvSpPr>
+            <a:spLocks noGrp="1"/>
+          </p:cNvSpPr>
+          <p:nvPr>
+            <p:ph type="body" sz="quarter" idx="13" hasCustomPrompt="1"/>
+          </p:nvPr>
+        </p:nvSpPr>
+        <p:spPr>
+          <a:xfrm>
+            <a:off x="0" y="838200"/>
+            <a:ext cx="9144000" cy="533400"/>
+          </a:xfrm>
+        </p:spPr>
+        <p:txBody>
+          <a:bodyPr>
+            <a:normAutofit/>
+          </a:bodyPr>
+          <a:lstStyle>
+            <a:lvl1pPr marL="0" indent="0">
+              <a:buNone/>
+              <a:defRPr sz="2400" b="1">
+                <a:solidFill>
+                  <a:srgbClr val="7F7F7F"/>
+                </a:solidFill>
+              </a:defRPr>
+            </a:lvl1pPr>
+          </a:lstStyle>
+          <a:p>
+            <a:pPr lvl="0"/>
+            <a:r>
+              <a:rPr lang="en-US" dirty="0"/>
+              <a:t>Click to edit sub-title</a:t>
+            </a:r>
+          </a:p>
+        </p:txBody>
+      </p:sp>
+    </p:spTree>
+    <p:extLst>
+      <p:ext uri="{BB962C8B-B14F-4D97-AF65-F5344CB8AC3E}">
+        <p14:creationId xmlns:p14="http://schemas.microsoft.com/office/powerpoint/2010/main" val="577950018"/>
+      </p:ext>
+    </p:extLst>
+  </p:cSld>
+  <p:clrMapOvr>
+    <a:masterClrMapping/>
+  </p:clrMapOvr>
+</p:sldLayout>
+</file>
+
 <file path=ppt/slideLayouts/slideLayout2.xml><?xml version="1.0" encoding="utf-8"?>
 <p:sldLayout xmlns:a="http://schemas.openxmlformats.org/drawingml/2006/main" xmlns:r="http://schemas.openxmlformats.org/officeDocument/2006/relationships" xmlns:p="http://schemas.openxmlformats.org/presentationml/2006/main" type="obj" preserve="1">
   <p:cSld name="Title and Content">
@@ -1618,7 +2012,7 @@
             <a:fld id="{DBE77699-C466-4996-ADED-71C8160E04A2}" type="datetimeFigureOut">
               <a:rPr lang="en-US" smtClean="0"/>
               <a:pPr/>
-              <a:t>9/10/20</a:t>
+              <a:t>10/10/2020</a:t>
             </a:fld>
             <a:endParaRPr lang="en-US"/>
           </a:p>
@@ -1860,7 +2254,7 @@
             <a:fld id="{DBE77699-C466-4996-ADED-71C8160E04A2}" type="datetimeFigureOut">
               <a:rPr lang="en-US" smtClean="0"/>
               <a:pPr/>
-              <a:t>9/10/20</a:t>
+              <a:t>10/10/2020</a:t>
             </a:fld>
             <a:endParaRPr lang="en-US"/>
           </a:p>
@@ -2142,7 +2536,7 @@
             <a:fld id="{DBE77699-C466-4996-ADED-71C8160E04A2}" type="datetimeFigureOut">
               <a:rPr lang="en-US" smtClean="0"/>
               <a:pPr/>
-              <a:t>9/10/20</a:t>
+              <a:t>10/10/2020</a:t>
             </a:fld>
             <a:endParaRPr lang="en-US"/>
           </a:p>
@@ -2558,7 +2952,7 @@
             <a:fld id="{DBE77699-C466-4996-ADED-71C8160E04A2}" type="datetimeFigureOut">
               <a:rPr lang="en-US" smtClean="0"/>
               <a:pPr/>
-              <a:t>9/10/20</a:t>
+              <a:t>10/10/2020</a:t>
             </a:fld>
             <a:endParaRPr lang="en-US"/>
           </a:p>
@@ -2672,7 +3066,7 @@
             <a:fld id="{DBE77699-C466-4996-ADED-71C8160E04A2}" type="datetimeFigureOut">
               <a:rPr lang="en-US" smtClean="0"/>
               <a:pPr/>
-              <a:t>9/10/20</a:t>
+              <a:t>10/10/2020</a:t>
             </a:fld>
             <a:endParaRPr lang="en-US"/>
           </a:p>
@@ -2764,7 +3158,7 @@
             <a:fld id="{DBE77699-C466-4996-ADED-71C8160E04A2}" type="datetimeFigureOut">
               <a:rPr lang="en-US" smtClean="0"/>
               <a:pPr/>
-              <a:t>9/10/20</a:t>
+              <a:t>10/10/2020</a:t>
             </a:fld>
             <a:endParaRPr lang="en-US"/>
           </a:p>
@@ -3036,7 +3430,7 @@
             <a:fld id="{DBE77699-C466-4996-ADED-71C8160E04A2}" type="datetimeFigureOut">
               <a:rPr lang="en-US" smtClean="0"/>
               <a:pPr/>
-              <a:t>9/10/20</a:t>
+              <a:t>10/10/2020</a:t>
             </a:fld>
             <a:endParaRPr lang="en-US"/>
           </a:p>
@@ -3285,7 +3679,7 @@
             <a:fld id="{DBE77699-C466-4996-ADED-71C8160E04A2}" type="datetimeFigureOut">
               <a:rPr lang="en-US" smtClean="0"/>
               <a:pPr/>
-              <a:t>9/10/20</a:t>
+              <a:t>10/10/2020</a:t>
             </a:fld>
             <a:endParaRPr lang="en-US"/>
           </a:p>
@@ -3496,7 +3890,7 @@
             <a:fld id="{DBE77699-C466-4996-ADED-71C8160E04A2}" type="datetimeFigureOut">
               <a:rPr lang="en-US" smtClean="0"/>
               <a:pPr/>
-              <a:t>9/10/20</a:t>
+              <a:t>10/10/2020</a:t>
             </a:fld>
             <a:endParaRPr lang="en-US"/>
           </a:p>
@@ -3597,6 +3991,7 @@
     <p:sldLayoutId id="2147483658" r:id="rId10"/>
     <p:sldLayoutId id="2147483659" r:id="rId11"/>
     <p:sldLayoutId id="2147483660" r:id="rId12"/>
+    <p:sldLayoutId id="2147483661" r:id="rId13"/>
   </p:sldLayoutIdLst>
   <p:txStyles>
     <p:titleStyle>
@@ -4892,463 +5287,7 @@
 </p:sld>
 </file>
 
-<file path=ppt/slides/slide2.xml><?xml version="1.0" encoding="utf-8"?>
-<p:sld xmlns:a="http://schemas.openxmlformats.org/drawingml/2006/main" xmlns:r="http://schemas.openxmlformats.org/officeDocument/2006/relationships" xmlns:p="http://schemas.openxmlformats.org/presentationml/2006/main">
-  <p:cSld>
-    <p:spTree>
-      <p:nvGrpSpPr>
-        <p:cNvPr id="1" name=""/>
-        <p:cNvGrpSpPr/>
-        <p:nvPr/>
-      </p:nvGrpSpPr>
-      <p:grpSpPr>
-        <a:xfrm>
-          <a:off x="0" y="0"/>
-          <a:ext cx="0" cy="0"/>
-          <a:chOff x="0" y="0"/>
-          <a:chExt cx="0" cy="0"/>
-        </a:xfrm>
-      </p:grpSpPr>
-      <p:sp>
-        <p:nvSpPr>
-          <p:cNvPr id="2" name="Title 1"/>
-          <p:cNvSpPr>
-            <a:spLocks noGrp="1"/>
-          </p:cNvSpPr>
-          <p:nvPr>
-            <p:ph type="title"/>
-          </p:nvPr>
-        </p:nvSpPr>
-        <p:spPr/>
-        <p:txBody>
-          <a:bodyPr>
-            <a:normAutofit/>
-          </a:bodyPr>
-          <a:lstStyle/>
-          <a:p>
-            <a:r>
-              <a:rPr lang="en-US" dirty="0"/>
-              <a:t>What are the attributes of a good ambassador?</a:t>
-            </a:r>
-          </a:p>
-        </p:txBody>
-      </p:sp>
-      <p:sp>
-        <p:nvSpPr>
-          <p:cNvPr id="3" name="Text Placeholder 2"/>
-          <p:cNvSpPr>
-            <a:spLocks noGrp="1"/>
-          </p:cNvSpPr>
-          <p:nvPr>
-            <p:ph type="body" sz="quarter" idx="13"/>
-          </p:nvPr>
-        </p:nvSpPr>
-        <p:spPr/>
-        <p:txBody>
-          <a:bodyPr/>
-          <a:lstStyle/>
-          <a:p>
-            <a:r>
-              <a:rPr lang="en-US" dirty="0"/>
-              <a:t>1</a:t>
-            </a:r>
-          </a:p>
-        </p:txBody>
-      </p:sp>
-    </p:spTree>
-    <p:extLst>
-      <p:ext uri="{BB962C8B-B14F-4D97-AF65-F5344CB8AC3E}">
-        <p14:creationId xmlns:p14="http://schemas.microsoft.com/office/powerpoint/2010/main" val="2446947827"/>
-      </p:ext>
-    </p:extLst>
-  </p:cSld>
-  <p:clrMapOvr>
-    <a:masterClrMapping/>
-  </p:clrMapOvr>
-</p:sld>
-</file>
-
-<file path=ppt/slides/slide3.xml><?xml version="1.0" encoding="utf-8"?>
-<p:sld xmlns:a="http://schemas.openxmlformats.org/drawingml/2006/main" xmlns:r="http://schemas.openxmlformats.org/officeDocument/2006/relationships" xmlns:p="http://schemas.openxmlformats.org/presentationml/2006/main">
-  <p:cSld>
-    <p:spTree>
-      <p:nvGrpSpPr>
-        <p:cNvPr id="1" name=""/>
-        <p:cNvGrpSpPr/>
-        <p:nvPr/>
-      </p:nvGrpSpPr>
-      <p:grpSpPr>
-        <a:xfrm>
-          <a:off x="0" y="0"/>
-          <a:ext cx="0" cy="0"/>
-          <a:chOff x="0" y="0"/>
-          <a:chExt cx="0" cy="0"/>
-        </a:xfrm>
-      </p:grpSpPr>
-      <p:sp>
-        <p:nvSpPr>
-          <p:cNvPr id="2" name="Title 1"/>
-          <p:cNvSpPr>
-            <a:spLocks noGrp="1"/>
-          </p:cNvSpPr>
-          <p:nvPr>
-            <p:ph type="title"/>
-          </p:nvPr>
-        </p:nvSpPr>
-        <p:spPr/>
-        <p:txBody>
-          <a:bodyPr>
-            <a:normAutofit/>
-          </a:bodyPr>
-          <a:lstStyle/>
-          <a:p>
-            <a:r>
-              <a:rPr lang="en-US" dirty="0"/>
-              <a:t>What is the significance of the Apostles being called “ambassadors for Christ”?</a:t>
-            </a:r>
-          </a:p>
-        </p:txBody>
-      </p:sp>
-      <p:sp>
-        <p:nvSpPr>
-          <p:cNvPr id="3" name="Text Placeholder 2"/>
-          <p:cNvSpPr>
-            <a:spLocks noGrp="1"/>
-          </p:cNvSpPr>
-          <p:nvPr>
-            <p:ph type="body" sz="quarter" idx="13"/>
-          </p:nvPr>
-        </p:nvSpPr>
-        <p:spPr/>
-        <p:txBody>
-          <a:bodyPr/>
-          <a:lstStyle/>
-          <a:p>
-            <a:r>
-              <a:rPr lang="en-US" dirty="0"/>
-              <a:t>2</a:t>
-            </a:r>
-          </a:p>
-        </p:txBody>
-      </p:sp>
-    </p:spTree>
-    <p:extLst>
-      <p:ext uri="{BB962C8B-B14F-4D97-AF65-F5344CB8AC3E}">
-        <p14:creationId xmlns:p14="http://schemas.microsoft.com/office/powerpoint/2010/main" val="955221831"/>
-      </p:ext>
-    </p:extLst>
-  </p:cSld>
-  <p:clrMapOvr>
-    <a:masterClrMapping/>
-  </p:clrMapOvr>
-</p:sld>
-</file>
-
-<file path=ppt/slides/slide4.xml><?xml version="1.0" encoding="utf-8"?>
-<p:sld xmlns:a="http://schemas.openxmlformats.org/drawingml/2006/main" xmlns:r="http://schemas.openxmlformats.org/officeDocument/2006/relationships" xmlns:p="http://schemas.openxmlformats.org/presentationml/2006/main">
-  <p:cSld>
-    <p:spTree>
-      <p:nvGrpSpPr>
-        <p:cNvPr id="1" name=""/>
-        <p:cNvGrpSpPr/>
-        <p:nvPr/>
-      </p:nvGrpSpPr>
-      <p:grpSpPr>
-        <a:xfrm>
-          <a:off x="0" y="0"/>
-          <a:ext cx="0" cy="0"/>
-          <a:chOff x="0" y="0"/>
-          <a:chExt cx="0" cy="0"/>
-        </a:xfrm>
-      </p:grpSpPr>
-      <p:sp>
-        <p:nvSpPr>
-          <p:cNvPr id="2" name="Title 1"/>
-          <p:cNvSpPr>
-            <a:spLocks noGrp="1"/>
-          </p:cNvSpPr>
-          <p:nvPr>
-            <p:ph type="title"/>
-          </p:nvPr>
-        </p:nvSpPr>
-        <p:spPr/>
-        <p:txBody>
-          <a:bodyPr>
-            <a:normAutofit/>
-          </a:bodyPr>
-          <a:lstStyle/>
-          <a:p>
-            <a:r>
-              <a:rPr lang="en-US" dirty="0"/>
-              <a:t>Consider examples of Paul being an ambassador</a:t>
-            </a:r>
-          </a:p>
-        </p:txBody>
-      </p:sp>
-      <p:sp>
-        <p:nvSpPr>
-          <p:cNvPr id="3" name="Text Placeholder 2"/>
-          <p:cNvSpPr>
-            <a:spLocks noGrp="1"/>
-          </p:cNvSpPr>
-          <p:nvPr>
-            <p:ph type="body" sz="quarter" idx="13"/>
-          </p:nvPr>
-        </p:nvSpPr>
-        <p:spPr/>
-        <p:txBody>
-          <a:bodyPr/>
-          <a:lstStyle/>
-          <a:p>
-            <a:r>
-              <a:rPr lang="en-US" dirty="0"/>
-              <a:t>3</a:t>
-            </a:r>
-          </a:p>
-        </p:txBody>
-      </p:sp>
-    </p:spTree>
-    <p:extLst>
-      <p:ext uri="{BB962C8B-B14F-4D97-AF65-F5344CB8AC3E}">
-        <p14:creationId xmlns:p14="http://schemas.microsoft.com/office/powerpoint/2010/main" val="2099043256"/>
-      </p:ext>
-    </p:extLst>
-  </p:cSld>
-  <p:clrMapOvr>
-    <a:masterClrMapping/>
-  </p:clrMapOvr>
-</p:sld>
-</file>
-
-<file path=ppt/slides/slide5.xml><?xml version="1.0" encoding="utf-8"?>
-<p:sld xmlns:a="http://schemas.openxmlformats.org/drawingml/2006/main" xmlns:r="http://schemas.openxmlformats.org/officeDocument/2006/relationships" xmlns:p="http://schemas.openxmlformats.org/presentationml/2006/main">
-  <p:cSld>
-    <p:spTree>
-      <p:nvGrpSpPr>
-        <p:cNvPr id="1" name=""/>
-        <p:cNvGrpSpPr/>
-        <p:nvPr/>
-      </p:nvGrpSpPr>
-      <p:grpSpPr>
-        <a:xfrm>
-          <a:off x="0" y="0"/>
-          <a:ext cx="0" cy="0"/>
-          <a:chOff x="0" y="0"/>
-          <a:chExt cx="0" cy="0"/>
-        </a:xfrm>
-      </p:grpSpPr>
-      <p:sp>
-        <p:nvSpPr>
-          <p:cNvPr id="2" name="Title 1"/>
-          <p:cNvSpPr>
-            <a:spLocks noGrp="1"/>
-          </p:cNvSpPr>
-          <p:nvPr>
-            <p:ph type="title"/>
-          </p:nvPr>
-        </p:nvSpPr>
-        <p:spPr/>
-        <p:txBody>
-          <a:bodyPr>
-            <a:normAutofit/>
-          </a:bodyPr>
-          <a:lstStyle/>
-          <a:p>
-            <a:r>
-              <a:rPr lang="en-US" dirty="0"/>
-              <a:t>Describe 1 Peter 3:15 in its context</a:t>
-            </a:r>
-          </a:p>
-        </p:txBody>
-      </p:sp>
-      <p:sp>
-        <p:nvSpPr>
-          <p:cNvPr id="3" name="Text Placeholder 2"/>
-          <p:cNvSpPr>
-            <a:spLocks noGrp="1"/>
-          </p:cNvSpPr>
-          <p:nvPr>
-            <p:ph type="body" sz="quarter" idx="13"/>
-          </p:nvPr>
-        </p:nvSpPr>
-        <p:spPr/>
-        <p:txBody>
-          <a:bodyPr/>
-          <a:lstStyle/>
-          <a:p>
-            <a:r>
-              <a:rPr lang="en-US" dirty="0"/>
-              <a:t>4</a:t>
-            </a:r>
-          </a:p>
-        </p:txBody>
-      </p:sp>
-    </p:spTree>
-    <p:extLst>
-      <p:ext uri="{BB962C8B-B14F-4D97-AF65-F5344CB8AC3E}">
-        <p14:creationId xmlns:p14="http://schemas.microsoft.com/office/powerpoint/2010/main" val="2339310242"/>
-      </p:ext>
-    </p:extLst>
-  </p:cSld>
-  <p:clrMapOvr>
-    <a:masterClrMapping/>
-  </p:clrMapOvr>
-</p:sld>
-</file>
-
-<file path=ppt/slides/slide6.xml><?xml version="1.0" encoding="utf-8"?>
-<p:sld xmlns:a="http://schemas.openxmlformats.org/drawingml/2006/main" xmlns:r="http://schemas.openxmlformats.org/officeDocument/2006/relationships" xmlns:p="http://schemas.openxmlformats.org/presentationml/2006/main">
-  <p:cSld>
-    <p:spTree>
-      <p:nvGrpSpPr>
-        <p:cNvPr id="1" name=""/>
-        <p:cNvGrpSpPr/>
-        <p:nvPr/>
-      </p:nvGrpSpPr>
-      <p:grpSpPr>
-        <a:xfrm>
-          <a:off x="0" y="0"/>
-          <a:ext cx="0" cy="0"/>
-          <a:chOff x="0" y="0"/>
-          <a:chExt cx="0" cy="0"/>
-        </a:xfrm>
-      </p:grpSpPr>
-      <p:sp>
-        <p:nvSpPr>
-          <p:cNvPr id="2" name="Title 1"/>
-          <p:cNvSpPr>
-            <a:spLocks noGrp="1"/>
-          </p:cNvSpPr>
-          <p:nvPr>
-            <p:ph type="title"/>
-          </p:nvPr>
-        </p:nvSpPr>
-        <p:spPr/>
-        <p:txBody>
-          <a:bodyPr>
-            <a:normAutofit/>
-          </a:bodyPr>
-          <a:lstStyle/>
-          <a:p>
-            <a:r>
-              <a:rPr lang="en-US" dirty="0"/>
-              <a:t>Consider examples from Jesus’ life that illustrate him being an ambassador</a:t>
-            </a:r>
-          </a:p>
-        </p:txBody>
-      </p:sp>
-      <p:sp>
-        <p:nvSpPr>
-          <p:cNvPr id="3" name="Text Placeholder 2"/>
-          <p:cNvSpPr>
-            <a:spLocks noGrp="1"/>
-          </p:cNvSpPr>
-          <p:nvPr>
-            <p:ph type="body" sz="quarter" idx="13"/>
-          </p:nvPr>
-        </p:nvSpPr>
-        <p:spPr/>
-        <p:txBody>
-          <a:bodyPr/>
-          <a:lstStyle/>
-          <a:p>
-            <a:r>
-              <a:rPr lang="en-US" dirty="0"/>
-              <a:t>5</a:t>
-            </a:r>
-          </a:p>
-        </p:txBody>
-      </p:sp>
-    </p:spTree>
-    <p:extLst>
-      <p:ext uri="{BB962C8B-B14F-4D97-AF65-F5344CB8AC3E}">
-        <p14:creationId xmlns:p14="http://schemas.microsoft.com/office/powerpoint/2010/main" val="769338172"/>
-      </p:ext>
-    </p:extLst>
-  </p:cSld>
-  <p:clrMapOvr>
-    <a:masterClrMapping/>
-  </p:clrMapOvr>
-</p:sld>
-</file>
-
-<file path=ppt/slides/slide7.xml><?xml version="1.0" encoding="utf-8"?>
-<p:sld xmlns:a="http://schemas.openxmlformats.org/drawingml/2006/main" xmlns:r="http://schemas.openxmlformats.org/officeDocument/2006/relationships" xmlns:p="http://schemas.openxmlformats.org/presentationml/2006/main">
-  <p:cSld>
-    <p:spTree>
-      <p:nvGrpSpPr>
-        <p:cNvPr id="1" name=""/>
-        <p:cNvGrpSpPr/>
-        <p:nvPr/>
-      </p:nvGrpSpPr>
-      <p:grpSpPr>
-        <a:xfrm>
-          <a:off x="0" y="0"/>
-          <a:ext cx="0" cy="0"/>
-          <a:chOff x="0" y="0"/>
-          <a:chExt cx="0" cy="0"/>
-        </a:xfrm>
-      </p:grpSpPr>
-      <p:sp>
-        <p:nvSpPr>
-          <p:cNvPr id="2" name="Title 1"/>
-          <p:cNvSpPr>
-            <a:spLocks noGrp="1"/>
-          </p:cNvSpPr>
-          <p:nvPr>
-            <p:ph type="title"/>
-          </p:nvPr>
-        </p:nvSpPr>
-        <p:spPr/>
-        <p:txBody>
-          <a:bodyPr>
-            <a:normAutofit/>
-          </a:bodyPr>
-          <a:lstStyle/>
-          <a:p>
-            <a:r>
-              <a:rPr lang="en-US" dirty="0"/>
-              <a:t>What are some other examples of people who built bridges to others?</a:t>
-            </a:r>
-          </a:p>
-        </p:txBody>
-      </p:sp>
-      <p:sp>
-        <p:nvSpPr>
-          <p:cNvPr id="3" name="Text Placeholder 2"/>
-          <p:cNvSpPr>
-            <a:spLocks noGrp="1"/>
-          </p:cNvSpPr>
-          <p:nvPr>
-            <p:ph type="body" sz="quarter" idx="13"/>
-          </p:nvPr>
-        </p:nvSpPr>
-        <p:spPr/>
-        <p:txBody>
-          <a:bodyPr/>
-          <a:lstStyle/>
-          <a:p>
-            <a:r>
-              <a:rPr lang="en-US" dirty="0"/>
-              <a:t>6</a:t>
-            </a:r>
-          </a:p>
-        </p:txBody>
-      </p:sp>
-    </p:spTree>
-    <p:extLst>
-      <p:ext uri="{BB962C8B-B14F-4D97-AF65-F5344CB8AC3E}">
-        <p14:creationId xmlns:p14="http://schemas.microsoft.com/office/powerpoint/2010/main" val="205851599"/>
-      </p:ext>
-    </p:extLst>
-  </p:cSld>
-  <p:clrMapOvr>
-    <a:masterClrMapping/>
-  </p:clrMapOvr>
-</p:sld>
-</file>
-
-<file path=ppt/slides/slide8.xml><?xml version="1.0" encoding="utf-8"?>
+<file path=ppt/slides/slide10.xml><?xml version="1.0" encoding="utf-8"?>
 <p:sld xmlns:a="http://schemas.openxmlformats.org/drawingml/2006/main" xmlns:r="http://schemas.openxmlformats.org/officeDocument/2006/relationships" xmlns:p="http://schemas.openxmlformats.org/presentationml/2006/main">
   <p:cSld>
     <p:spTree>
@@ -5374,7 +5313,7 @@
           <p:nvPr/>
         </p:nvPicPr>
         <p:blipFill>
-          <a:blip r:embed="rId2">
+          <a:blip r:embed="rId2" cstate="print">
             <a:extLst>
               <a:ext uri="{28A0092B-C50C-407E-A947-70E740481C1C}">
                 <a14:useLocalDpi xmlns:a14="http://schemas.microsoft.com/office/drawing/2010/main" val="0"/>
@@ -5977,6 +5916,2682 @@
 </p:sld>
 </file>
 
+<file path=ppt/slides/slide11.xml><?xml version="1.0" encoding="utf-8"?>
+<p:sld xmlns:a="http://schemas.openxmlformats.org/drawingml/2006/main" xmlns:r="http://schemas.openxmlformats.org/officeDocument/2006/relationships" xmlns:p="http://schemas.openxmlformats.org/presentationml/2006/main">
+  <p:cSld>
+    <p:spTree>
+      <p:nvGrpSpPr>
+        <p:cNvPr id="1" name=""/>
+        <p:cNvGrpSpPr/>
+        <p:nvPr/>
+      </p:nvGrpSpPr>
+      <p:grpSpPr>
+        <a:xfrm>
+          <a:off x="0" y="0"/>
+          <a:ext cx="0" cy="0"/>
+          <a:chOff x="0" y="0"/>
+          <a:chExt cx="0" cy="0"/>
+        </a:xfrm>
+      </p:grpSpPr>
+      <p:sp>
+        <p:nvSpPr>
+          <p:cNvPr id="2" name="Title 1"/>
+          <p:cNvSpPr>
+            <a:spLocks noGrp="1"/>
+          </p:cNvSpPr>
+          <p:nvPr>
+            <p:ph type="title"/>
+          </p:nvPr>
+        </p:nvSpPr>
+        <p:spPr/>
+        <p:txBody>
+          <a:bodyPr>
+            <a:normAutofit fontScale="90000"/>
+          </a:bodyPr>
+          <a:lstStyle/>
+          <a:p>
+            <a:r>
+              <a:rPr lang="en-US" dirty="0"/>
+              <a:t>List some things that Christians can do that get in the way of others becoming disciples?</a:t>
+            </a:r>
+          </a:p>
+        </p:txBody>
+      </p:sp>
+      <p:sp>
+        <p:nvSpPr>
+          <p:cNvPr id="3" name="Text Placeholder 2"/>
+          <p:cNvSpPr>
+            <a:spLocks noGrp="1"/>
+          </p:cNvSpPr>
+          <p:nvPr>
+            <p:ph type="body" sz="quarter" idx="13"/>
+          </p:nvPr>
+        </p:nvSpPr>
+        <p:spPr/>
+        <p:txBody>
+          <a:bodyPr/>
+          <a:lstStyle/>
+          <a:p>
+            <a:r>
+              <a:rPr lang="en-US" dirty="0"/>
+              <a:t>7</a:t>
+            </a:r>
+          </a:p>
+        </p:txBody>
+      </p:sp>
+    </p:spTree>
+    <p:extLst>
+      <p:ext uri="{BB962C8B-B14F-4D97-AF65-F5344CB8AC3E}">
+        <p14:creationId xmlns:p14="http://schemas.microsoft.com/office/powerpoint/2010/main" val="1617209977"/>
+      </p:ext>
+    </p:extLst>
+  </p:cSld>
+  <p:clrMapOvr>
+    <a:masterClrMapping/>
+  </p:clrMapOvr>
+</p:sld>
+</file>
+
+<file path=ppt/slides/slide12.xml><?xml version="1.0" encoding="utf-8"?>
+<p:sld xmlns:a="http://schemas.openxmlformats.org/drawingml/2006/main" xmlns:r="http://schemas.openxmlformats.org/officeDocument/2006/relationships" xmlns:p="http://schemas.openxmlformats.org/presentationml/2006/main">
+  <p:cSld>
+    <p:spTree>
+      <p:nvGrpSpPr>
+        <p:cNvPr id="1" name=""/>
+        <p:cNvGrpSpPr/>
+        <p:nvPr/>
+      </p:nvGrpSpPr>
+      <p:grpSpPr>
+        <a:xfrm>
+          <a:off x="0" y="0"/>
+          <a:ext cx="0" cy="0"/>
+          <a:chOff x="0" y="0"/>
+          <a:chExt cx="0" cy="0"/>
+        </a:xfrm>
+      </p:grpSpPr>
+      <p:sp>
+        <p:nvSpPr>
+          <p:cNvPr id="6" name="TextBox 5"/>
+          <p:cNvSpPr txBox="1"/>
+          <p:nvPr/>
+        </p:nvSpPr>
+        <p:spPr>
+          <a:xfrm>
+            <a:off x="228600" y="152400"/>
+            <a:ext cx="8610600" cy="769441"/>
+          </a:xfrm>
+          <a:prstGeom prst="rect">
+            <a:avLst/>
+          </a:prstGeom>
+          <a:noFill/>
+        </p:spPr>
+        <p:txBody>
+          <a:bodyPr wrap="square" rtlCol="0">
+            <a:spAutoFit/>
+          </a:bodyPr>
+          <a:lstStyle/>
+          <a:p>
+            <a:r>
+              <a:rPr lang="en-US" sz="4400" b="1" dirty="0"/>
+              <a:t>Key Takeaways</a:t>
+            </a:r>
+          </a:p>
+        </p:txBody>
+      </p:sp>
+      <p:grpSp>
+        <p:nvGrpSpPr>
+          <p:cNvPr id="12" name="Group 11">
+            <a:extLst>
+              <a:ext uri="{FF2B5EF4-FFF2-40B4-BE49-F238E27FC236}">
+                <a16:creationId xmlns:a16="http://schemas.microsoft.com/office/drawing/2014/main" id="{9C7293A5-9F6A-4A42-B28F-77E682AEFD25}"/>
+              </a:ext>
+            </a:extLst>
+          </p:cNvPr>
+          <p:cNvGrpSpPr/>
+          <p:nvPr/>
+        </p:nvGrpSpPr>
+        <p:grpSpPr>
+          <a:xfrm>
+            <a:off x="533400" y="2895600"/>
+            <a:ext cx="8001000" cy="685800"/>
+            <a:chOff x="533400" y="2895600"/>
+            <a:chExt cx="8001000" cy="685800"/>
+          </a:xfrm>
+        </p:grpSpPr>
+        <p:sp>
+          <p:nvSpPr>
+            <p:cNvPr id="7" name="Oval 6">
+              <a:extLst>
+                <a:ext uri="{FF2B5EF4-FFF2-40B4-BE49-F238E27FC236}">
+                  <a16:creationId xmlns:a16="http://schemas.microsoft.com/office/drawing/2014/main" id="{536B79E8-7DCE-0445-821B-D0B03DF78CAA}"/>
+                </a:ext>
+              </a:extLst>
+            </p:cNvPr>
+            <p:cNvSpPr/>
+            <p:nvPr/>
+          </p:nvSpPr>
+          <p:spPr>
+            <a:xfrm>
+              <a:off x="533400" y="2895600"/>
+              <a:ext cx="685800" cy="685800"/>
+            </a:xfrm>
+            <a:prstGeom prst="ellipse">
+              <a:avLst/>
+            </a:prstGeom>
+            <a:solidFill>
+              <a:srgbClr val="009EC0"/>
+            </a:solidFill>
+            <a:ln>
+              <a:noFill/>
+            </a:ln>
+          </p:spPr>
+          <p:style>
+            <a:lnRef idx="2">
+              <a:schemeClr val="accent1">
+                <a:shade val="50000"/>
+              </a:schemeClr>
+            </a:lnRef>
+            <a:fillRef idx="1">
+              <a:schemeClr val="accent1"/>
+            </a:fillRef>
+            <a:effectRef idx="0">
+              <a:schemeClr val="accent1"/>
+            </a:effectRef>
+            <a:fontRef idx="minor">
+              <a:schemeClr val="lt1"/>
+            </a:fontRef>
+          </p:style>
+          <p:txBody>
+            <a:bodyPr rtlCol="0" anchor="ctr"/>
+            <a:lstStyle/>
+            <a:p>
+              <a:pPr algn="ctr"/>
+              <a:r>
+                <a:rPr lang="en-US" sz="2800" dirty="0">
+                  <a:solidFill>
+                    <a:schemeClr val="tx1"/>
+                  </a:solidFill>
+                </a:rPr>
+                <a:t>2</a:t>
+              </a:r>
+            </a:p>
+          </p:txBody>
+        </p:sp>
+        <p:sp>
+          <p:nvSpPr>
+            <p:cNvPr id="4" name="Rectangle 3">
+              <a:extLst>
+                <a:ext uri="{FF2B5EF4-FFF2-40B4-BE49-F238E27FC236}">
+                  <a16:creationId xmlns:a16="http://schemas.microsoft.com/office/drawing/2014/main" id="{8330B7FE-A318-9845-8F59-02267667CECB}"/>
+                </a:ext>
+              </a:extLst>
+            </p:cNvPr>
+            <p:cNvSpPr/>
+            <p:nvPr/>
+          </p:nvSpPr>
+          <p:spPr>
+            <a:xfrm>
+              <a:off x="1447800" y="2895600"/>
+              <a:ext cx="7086600" cy="685800"/>
+            </a:xfrm>
+            <a:prstGeom prst="rect">
+              <a:avLst/>
+            </a:prstGeom>
+            <a:noFill/>
+            <a:ln>
+              <a:noFill/>
+            </a:ln>
+          </p:spPr>
+          <p:style>
+            <a:lnRef idx="2">
+              <a:schemeClr val="accent1">
+                <a:shade val="50000"/>
+              </a:schemeClr>
+            </a:lnRef>
+            <a:fillRef idx="1">
+              <a:schemeClr val="accent1"/>
+            </a:fillRef>
+            <a:effectRef idx="0">
+              <a:schemeClr val="accent1"/>
+            </a:effectRef>
+            <a:fontRef idx="minor">
+              <a:schemeClr val="lt1"/>
+            </a:fontRef>
+          </p:style>
+          <p:txBody>
+            <a:bodyPr rtlCol="0" anchor="ctr"/>
+            <a:lstStyle/>
+            <a:p>
+              <a:r>
+                <a:rPr lang="en-US" sz="2400" b="1" dirty="0">
+                  <a:solidFill>
+                    <a:schemeClr val="tx1"/>
+                  </a:solidFill>
+                  <a:highlight>
+                    <a:srgbClr val="C00002"/>
+                  </a:highlight>
+                </a:rPr>
+                <a:t>Representing God’s character</a:t>
+              </a:r>
+              <a:r>
+                <a:rPr lang="en-US" sz="2400" dirty="0">
+                  <a:solidFill>
+                    <a:schemeClr val="tx1"/>
+                  </a:solidFill>
+                </a:rPr>
+                <a:t> matters as much as representing the facts</a:t>
+              </a:r>
+            </a:p>
+          </p:txBody>
+        </p:sp>
+      </p:grpSp>
+      <p:grpSp>
+        <p:nvGrpSpPr>
+          <p:cNvPr id="9" name="Group 8">
+            <a:extLst>
+              <a:ext uri="{FF2B5EF4-FFF2-40B4-BE49-F238E27FC236}">
+                <a16:creationId xmlns:a16="http://schemas.microsoft.com/office/drawing/2014/main" id="{55676BE1-B42E-AD44-9DD5-FF20BEB47F36}"/>
+              </a:ext>
+            </a:extLst>
+          </p:cNvPr>
+          <p:cNvGrpSpPr/>
+          <p:nvPr/>
+        </p:nvGrpSpPr>
+        <p:grpSpPr>
+          <a:xfrm>
+            <a:off x="533400" y="1833265"/>
+            <a:ext cx="8001000" cy="685800"/>
+            <a:chOff x="533400" y="1833265"/>
+            <a:chExt cx="8001000" cy="685800"/>
+          </a:xfrm>
+        </p:grpSpPr>
+        <p:sp>
+          <p:nvSpPr>
+            <p:cNvPr id="2" name="Oval 1">
+              <a:extLst>
+                <a:ext uri="{FF2B5EF4-FFF2-40B4-BE49-F238E27FC236}">
+                  <a16:creationId xmlns:a16="http://schemas.microsoft.com/office/drawing/2014/main" id="{876D5A54-0C8D-804B-88A0-6609A2C1405C}"/>
+                </a:ext>
+              </a:extLst>
+            </p:cNvPr>
+            <p:cNvSpPr/>
+            <p:nvPr/>
+          </p:nvSpPr>
+          <p:spPr>
+            <a:xfrm>
+              <a:off x="533400" y="1833265"/>
+              <a:ext cx="685800" cy="685800"/>
+            </a:xfrm>
+            <a:prstGeom prst="ellipse">
+              <a:avLst/>
+            </a:prstGeom>
+            <a:solidFill>
+              <a:srgbClr val="009EC0"/>
+            </a:solidFill>
+            <a:ln>
+              <a:noFill/>
+            </a:ln>
+          </p:spPr>
+          <p:style>
+            <a:lnRef idx="2">
+              <a:schemeClr val="accent1">
+                <a:shade val="50000"/>
+              </a:schemeClr>
+            </a:lnRef>
+            <a:fillRef idx="1">
+              <a:schemeClr val="accent1"/>
+            </a:fillRef>
+            <a:effectRef idx="0">
+              <a:schemeClr val="accent1"/>
+            </a:effectRef>
+            <a:fontRef idx="minor">
+              <a:schemeClr val="lt1"/>
+            </a:fontRef>
+          </p:style>
+          <p:txBody>
+            <a:bodyPr rtlCol="0" anchor="ctr"/>
+            <a:lstStyle/>
+            <a:p>
+              <a:pPr algn="ctr"/>
+              <a:r>
+                <a:rPr lang="en-US" sz="2800" dirty="0">
+                  <a:solidFill>
+                    <a:schemeClr val="tx1"/>
+                  </a:solidFill>
+                </a:rPr>
+                <a:t>1</a:t>
+              </a:r>
+            </a:p>
+          </p:txBody>
+        </p:sp>
+        <p:sp>
+          <p:nvSpPr>
+            <p:cNvPr id="10" name="Rectangle 9">
+              <a:extLst>
+                <a:ext uri="{FF2B5EF4-FFF2-40B4-BE49-F238E27FC236}">
+                  <a16:creationId xmlns:a16="http://schemas.microsoft.com/office/drawing/2014/main" id="{312C2DC5-5653-DC4B-98A2-76A0B8F08883}"/>
+                </a:ext>
+              </a:extLst>
+            </p:cNvPr>
+            <p:cNvSpPr/>
+            <p:nvPr/>
+          </p:nvSpPr>
+          <p:spPr>
+            <a:xfrm>
+              <a:off x="1447800" y="1833265"/>
+              <a:ext cx="7086600" cy="685800"/>
+            </a:xfrm>
+            <a:prstGeom prst="rect">
+              <a:avLst/>
+            </a:prstGeom>
+            <a:noFill/>
+            <a:ln>
+              <a:noFill/>
+            </a:ln>
+          </p:spPr>
+          <p:style>
+            <a:lnRef idx="2">
+              <a:schemeClr val="accent1">
+                <a:shade val="50000"/>
+              </a:schemeClr>
+            </a:lnRef>
+            <a:fillRef idx="1">
+              <a:schemeClr val="accent1"/>
+            </a:fillRef>
+            <a:effectRef idx="0">
+              <a:schemeClr val="accent1"/>
+            </a:effectRef>
+            <a:fontRef idx="minor">
+              <a:schemeClr val="lt1"/>
+            </a:fontRef>
+          </p:style>
+          <p:txBody>
+            <a:bodyPr rtlCol="0" anchor="ctr"/>
+            <a:lstStyle/>
+            <a:p>
+              <a:r>
+                <a:rPr lang="en-US" sz="2400" dirty="0">
+                  <a:solidFill>
+                    <a:schemeClr val="tx1"/>
+                  </a:solidFill>
+                </a:rPr>
+                <a:t>1 Peter 3:15 (“the Apologist’s verse”) emphasizes </a:t>
+              </a:r>
+              <a:r>
+                <a:rPr lang="en-US" sz="2400" b="1" dirty="0">
+                  <a:solidFill>
+                    <a:schemeClr val="tx1"/>
+                  </a:solidFill>
+                  <a:highlight>
+                    <a:srgbClr val="C00002"/>
+                  </a:highlight>
+                </a:rPr>
+                <a:t>character over case-making</a:t>
+              </a:r>
+            </a:p>
+          </p:txBody>
+        </p:sp>
+      </p:grpSp>
+      <p:cxnSp>
+        <p:nvCxnSpPr>
+          <p:cNvPr id="8" name="Straight Connector 7">
+            <a:extLst>
+              <a:ext uri="{FF2B5EF4-FFF2-40B4-BE49-F238E27FC236}">
+                <a16:creationId xmlns:a16="http://schemas.microsoft.com/office/drawing/2014/main" id="{B1CE1C68-C736-2F42-AD3D-29FCB9A69CAD}"/>
+              </a:ext>
+            </a:extLst>
+          </p:cNvPr>
+          <p:cNvCxnSpPr>
+            <a:cxnSpLocks/>
+          </p:cNvCxnSpPr>
+          <p:nvPr/>
+        </p:nvCxnSpPr>
+        <p:spPr>
+          <a:xfrm>
+            <a:off x="304800" y="1066800"/>
+            <a:ext cx="8534400" cy="0"/>
+          </a:xfrm>
+          <a:prstGeom prst="line">
+            <a:avLst/>
+          </a:prstGeom>
+          <a:ln w="76200">
+            <a:solidFill>
+              <a:srgbClr val="009EC0"/>
+            </a:solidFill>
+          </a:ln>
+        </p:spPr>
+        <p:style>
+          <a:lnRef idx="1">
+            <a:schemeClr val="dk1"/>
+          </a:lnRef>
+          <a:fillRef idx="0">
+            <a:schemeClr val="dk1"/>
+          </a:fillRef>
+          <a:effectRef idx="0">
+            <a:schemeClr val="dk1"/>
+          </a:effectRef>
+          <a:fontRef idx="minor">
+            <a:schemeClr val="tx1"/>
+          </a:fontRef>
+        </p:style>
+      </p:cxnSp>
+      <p:grpSp>
+        <p:nvGrpSpPr>
+          <p:cNvPr id="11" name="Group 10">
+            <a:extLst>
+              <a:ext uri="{FF2B5EF4-FFF2-40B4-BE49-F238E27FC236}">
+                <a16:creationId xmlns:a16="http://schemas.microsoft.com/office/drawing/2014/main" id="{653FE901-2C2F-4BB1-823F-ECEF9F2EAA15}"/>
+              </a:ext>
+            </a:extLst>
+          </p:cNvPr>
+          <p:cNvGrpSpPr/>
+          <p:nvPr/>
+        </p:nvGrpSpPr>
+        <p:grpSpPr>
+          <a:xfrm>
+            <a:off x="542925" y="3957935"/>
+            <a:ext cx="8001000" cy="685800"/>
+            <a:chOff x="533400" y="2895600"/>
+            <a:chExt cx="8001000" cy="685800"/>
+          </a:xfrm>
+        </p:grpSpPr>
+        <p:sp>
+          <p:nvSpPr>
+            <p:cNvPr id="13" name="Oval 12">
+              <a:extLst>
+                <a:ext uri="{FF2B5EF4-FFF2-40B4-BE49-F238E27FC236}">
+                  <a16:creationId xmlns:a16="http://schemas.microsoft.com/office/drawing/2014/main" id="{02C677C9-88C2-49D3-BCB9-593CC4B97AE3}"/>
+                </a:ext>
+              </a:extLst>
+            </p:cNvPr>
+            <p:cNvSpPr/>
+            <p:nvPr/>
+          </p:nvSpPr>
+          <p:spPr>
+            <a:xfrm>
+              <a:off x="533400" y="2895600"/>
+              <a:ext cx="685800" cy="685800"/>
+            </a:xfrm>
+            <a:prstGeom prst="ellipse">
+              <a:avLst/>
+            </a:prstGeom>
+            <a:solidFill>
+              <a:srgbClr val="009EC0"/>
+            </a:solidFill>
+            <a:ln>
+              <a:noFill/>
+            </a:ln>
+          </p:spPr>
+          <p:style>
+            <a:lnRef idx="2">
+              <a:schemeClr val="accent1">
+                <a:shade val="50000"/>
+              </a:schemeClr>
+            </a:lnRef>
+            <a:fillRef idx="1">
+              <a:schemeClr val="accent1"/>
+            </a:fillRef>
+            <a:effectRef idx="0">
+              <a:schemeClr val="accent1"/>
+            </a:effectRef>
+            <a:fontRef idx="minor">
+              <a:schemeClr val="lt1"/>
+            </a:fontRef>
+          </p:style>
+          <p:txBody>
+            <a:bodyPr rtlCol="0" anchor="ctr"/>
+            <a:lstStyle/>
+            <a:p>
+              <a:pPr algn="ctr"/>
+              <a:r>
+                <a:rPr lang="en-US" sz="2800" dirty="0">
+                  <a:solidFill>
+                    <a:schemeClr val="tx1"/>
+                  </a:solidFill>
+                </a:rPr>
+                <a:t>3</a:t>
+              </a:r>
+            </a:p>
+          </p:txBody>
+        </p:sp>
+        <p:sp>
+          <p:nvSpPr>
+            <p:cNvPr id="14" name="Rectangle 13">
+              <a:extLst>
+                <a:ext uri="{FF2B5EF4-FFF2-40B4-BE49-F238E27FC236}">
+                  <a16:creationId xmlns:a16="http://schemas.microsoft.com/office/drawing/2014/main" id="{63291025-DAB6-4E46-86B5-765B8FAC42E5}"/>
+                </a:ext>
+              </a:extLst>
+            </p:cNvPr>
+            <p:cNvSpPr/>
+            <p:nvPr/>
+          </p:nvSpPr>
+          <p:spPr>
+            <a:xfrm>
+              <a:off x="1447800" y="2895600"/>
+              <a:ext cx="7086600" cy="685800"/>
+            </a:xfrm>
+            <a:prstGeom prst="rect">
+              <a:avLst/>
+            </a:prstGeom>
+            <a:noFill/>
+            <a:ln>
+              <a:noFill/>
+            </a:ln>
+          </p:spPr>
+          <p:style>
+            <a:lnRef idx="2">
+              <a:schemeClr val="accent1">
+                <a:shade val="50000"/>
+              </a:schemeClr>
+            </a:lnRef>
+            <a:fillRef idx="1">
+              <a:schemeClr val="accent1"/>
+            </a:fillRef>
+            <a:effectRef idx="0">
+              <a:schemeClr val="accent1"/>
+            </a:effectRef>
+            <a:fontRef idx="minor">
+              <a:schemeClr val="lt1"/>
+            </a:fontRef>
+          </p:style>
+          <p:txBody>
+            <a:bodyPr rtlCol="0" anchor="ctr"/>
+            <a:lstStyle/>
+            <a:p>
+              <a:r>
+                <a:rPr lang="en-US" sz="2400" dirty="0">
+                  <a:solidFill>
+                    <a:schemeClr val="tx1"/>
+                  </a:solidFill>
+                </a:rPr>
+                <a:t>A good ambassador uses an </a:t>
+              </a:r>
+              <a:r>
+                <a:rPr lang="en-US" sz="2400" b="1" dirty="0">
+                  <a:solidFill>
+                    <a:schemeClr val="tx1"/>
+                  </a:solidFill>
+                  <a:highlight>
+                    <a:srgbClr val="C00002"/>
+                  </a:highlight>
+                </a:rPr>
+                <a:t>artful method</a:t>
+              </a:r>
+              <a:r>
+                <a:rPr lang="en-US" sz="2400" dirty="0">
+                  <a:solidFill>
+                    <a:schemeClr val="tx1"/>
+                  </a:solidFill>
+                </a:rPr>
+                <a:t> in addition to good facts</a:t>
+              </a:r>
+            </a:p>
+          </p:txBody>
+        </p:sp>
+      </p:grpSp>
+    </p:spTree>
+    <p:extLst>
+      <p:ext uri="{BB962C8B-B14F-4D97-AF65-F5344CB8AC3E}">
+        <p14:creationId xmlns:p14="http://schemas.microsoft.com/office/powerpoint/2010/main" val="2637868646"/>
+      </p:ext>
+    </p:extLst>
+  </p:cSld>
+  <p:clrMapOvr>
+    <a:masterClrMapping/>
+  </p:clrMapOvr>
+  <p:timing>
+    <p:tnLst>
+      <p:par>
+        <p:cTn id="1" dur="indefinite" restart="never" nodeType="tmRoot">
+          <p:childTnLst>
+            <p:seq concurrent="1" nextAc="seek">
+              <p:cTn id="2" dur="indefinite" nodeType="mainSeq">
+                <p:childTnLst>
+                  <p:par>
+                    <p:cTn id="3" fill="hold">
+                      <p:stCondLst>
+                        <p:cond delay="indefinite"/>
+                      </p:stCondLst>
+                      <p:childTnLst>
+                        <p:par>
+                          <p:cTn id="4" fill="hold">
+                            <p:stCondLst>
+                              <p:cond delay="0"/>
+                            </p:stCondLst>
+                            <p:childTnLst>
+                              <p:par>
+                                <p:cTn id="5" presetID="10" presetClass="entr" presetSubtype="0" fill="hold" grpId="0" nodeType="clickEffect">
+                                  <p:stCondLst>
+                                    <p:cond delay="0"/>
+                                  </p:stCondLst>
+                                  <p:childTnLst>
+                                    <p:set>
+                                      <p:cBhvr>
+                                        <p:cTn id="6" dur="1" fill="hold">
+                                          <p:stCondLst>
+                                            <p:cond delay="0"/>
+                                          </p:stCondLst>
+                                        </p:cTn>
+                                        <p:tgtEl>
+                                          <p:spTgt spid="6"/>
+                                        </p:tgtEl>
+                                        <p:attrNameLst>
+                                          <p:attrName>style.visibility</p:attrName>
+                                        </p:attrNameLst>
+                                      </p:cBhvr>
+                                      <p:to>
+                                        <p:strVal val="visible"/>
+                                      </p:to>
+                                    </p:set>
+                                    <p:animEffect transition="in" filter="fade">
+                                      <p:cBhvr>
+                                        <p:cTn id="7" dur="250"/>
+                                        <p:tgtEl>
+                                          <p:spTgt spid="6"/>
+                                        </p:tgtEl>
+                                      </p:cBhvr>
+                                    </p:animEffect>
+                                  </p:childTnLst>
+                                </p:cTn>
+                              </p:par>
+                            </p:childTnLst>
+                          </p:cTn>
+                        </p:par>
+                        <p:par>
+                          <p:cTn id="8" fill="hold">
+                            <p:stCondLst>
+                              <p:cond delay="250"/>
+                            </p:stCondLst>
+                            <p:childTnLst>
+                              <p:par>
+                                <p:cTn id="9" presetID="10" presetClass="entr" presetSubtype="0" fill="hold" nodeType="afterEffect">
+                                  <p:stCondLst>
+                                    <p:cond delay="0"/>
+                                  </p:stCondLst>
+                                  <p:childTnLst>
+                                    <p:set>
+                                      <p:cBhvr>
+                                        <p:cTn id="10" dur="1" fill="hold">
+                                          <p:stCondLst>
+                                            <p:cond delay="0"/>
+                                          </p:stCondLst>
+                                        </p:cTn>
+                                        <p:tgtEl>
+                                          <p:spTgt spid="8"/>
+                                        </p:tgtEl>
+                                        <p:attrNameLst>
+                                          <p:attrName>style.visibility</p:attrName>
+                                        </p:attrNameLst>
+                                      </p:cBhvr>
+                                      <p:to>
+                                        <p:strVal val="visible"/>
+                                      </p:to>
+                                    </p:set>
+                                    <p:animEffect transition="in" filter="fade">
+                                      <p:cBhvr>
+                                        <p:cTn id="11" dur="250"/>
+                                        <p:tgtEl>
+                                          <p:spTgt spid="8"/>
+                                        </p:tgtEl>
+                                      </p:cBhvr>
+                                    </p:animEffect>
+                                  </p:childTnLst>
+                                </p:cTn>
+                              </p:par>
+                            </p:childTnLst>
+                          </p:cTn>
+                        </p:par>
+                      </p:childTnLst>
+                    </p:cTn>
+                  </p:par>
+                  <p:par>
+                    <p:cTn id="12" fill="hold">
+                      <p:stCondLst>
+                        <p:cond delay="indefinite"/>
+                      </p:stCondLst>
+                      <p:childTnLst>
+                        <p:par>
+                          <p:cTn id="13" fill="hold">
+                            <p:stCondLst>
+                              <p:cond delay="0"/>
+                            </p:stCondLst>
+                            <p:childTnLst>
+                              <p:par>
+                                <p:cTn id="14" presetID="10" presetClass="entr" presetSubtype="0" fill="hold" nodeType="clickEffect">
+                                  <p:stCondLst>
+                                    <p:cond delay="0"/>
+                                  </p:stCondLst>
+                                  <p:childTnLst>
+                                    <p:set>
+                                      <p:cBhvr>
+                                        <p:cTn id="15" dur="1" fill="hold">
+                                          <p:stCondLst>
+                                            <p:cond delay="0"/>
+                                          </p:stCondLst>
+                                        </p:cTn>
+                                        <p:tgtEl>
+                                          <p:spTgt spid="9"/>
+                                        </p:tgtEl>
+                                        <p:attrNameLst>
+                                          <p:attrName>style.visibility</p:attrName>
+                                        </p:attrNameLst>
+                                      </p:cBhvr>
+                                      <p:to>
+                                        <p:strVal val="visible"/>
+                                      </p:to>
+                                    </p:set>
+                                    <p:animEffect transition="in" filter="fade">
+                                      <p:cBhvr>
+                                        <p:cTn id="16" dur="250"/>
+                                        <p:tgtEl>
+                                          <p:spTgt spid="9"/>
+                                        </p:tgtEl>
+                                      </p:cBhvr>
+                                    </p:animEffect>
+                                  </p:childTnLst>
+                                </p:cTn>
+                              </p:par>
+                            </p:childTnLst>
+                          </p:cTn>
+                        </p:par>
+                      </p:childTnLst>
+                    </p:cTn>
+                  </p:par>
+                  <p:par>
+                    <p:cTn id="17" fill="hold">
+                      <p:stCondLst>
+                        <p:cond delay="indefinite"/>
+                      </p:stCondLst>
+                      <p:childTnLst>
+                        <p:par>
+                          <p:cTn id="18" fill="hold">
+                            <p:stCondLst>
+                              <p:cond delay="0"/>
+                            </p:stCondLst>
+                            <p:childTnLst>
+                              <p:par>
+                                <p:cTn id="19" presetID="10" presetClass="entr" presetSubtype="0" fill="hold" nodeType="clickEffect">
+                                  <p:stCondLst>
+                                    <p:cond delay="0"/>
+                                  </p:stCondLst>
+                                  <p:childTnLst>
+                                    <p:set>
+                                      <p:cBhvr>
+                                        <p:cTn id="20" dur="1" fill="hold">
+                                          <p:stCondLst>
+                                            <p:cond delay="0"/>
+                                          </p:stCondLst>
+                                        </p:cTn>
+                                        <p:tgtEl>
+                                          <p:spTgt spid="12"/>
+                                        </p:tgtEl>
+                                        <p:attrNameLst>
+                                          <p:attrName>style.visibility</p:attrName>
+                                        </p:attrNameLst>
+                                      </p:cBhvr>
+                                      <p:to>
+                                        <p:strVal val="visible"/>
+                                      </p:to>
+                                    </p:set>
+                                    <p:animEffect transition="in" filter="fade">
+                                      <p:cBhvr>
+                                        <p:cTn id="21" dur="250"/>
+                                        <p:tgtEl>
+                                          <p:spTgt spid="12"/>
+                                        </p:tgtEl>
+                                      </p:cBhvr>
+                                    </p:animEffect>
+                                  </p:childTnLst>
+                                </p:cTn>
+                              </p:par>
+                            </p:childTnLst>
+                          </p:cTn>
+                        </p:par>
+                      </p:childTnLst>
+                    </p:cTn>
+                  </p:par>
+                  <p:par>
+                    <p:cTn id="22" fill="hold">
+                      <p:stCondLst>
+                        <p:cond delay="indefinite"/>
+                      </p:stCondLst>
+                      <p:childTnLst>
+                        <p:par>
+                          <p:cTn id="23" fill="hold">
+                            <p:stCondLst>
+                              <p:cond delay="0"/>
+                            </p:stCondLst>
+                            <p:childTnLst>
+                              <p:par>
+                                <p:cTn id="24" presetID="10" presetClass="entr" presetSubtype="0" fill="hold" nodeType="clickEffect">
+                                  <p:stCondLst>
+                                    <p:cond delay="0"/>
+                                  </p:stCondLst>
+                                  <p:childTnLst>
+                                    <p:set>
+                                      <p:cBhvr>
+                                        <p:cTn id="25" dur="1" fill="hold">
+                                          <p:stCondLst>
+                                            <p:cond delay="0"/>
+                                          </p:stCondLst>
+                                        </p:cTn>
+                                        <p:tgtEl>
+                                          <p:spTgt spid="11"/>
+                                        </p:tgtEl>
+                                        <p:attrNameLst>
+                                          <p:attrName>style.visibility</p:attrName>
+                                        </p:attrNameLst>
+                                      </p:cBhvr>
+                                      <p:to>
+                                        <p:strVal val="visible"/>
+                                      </p:to>
+                                    </p:set>
+                                    <p:animEffect transition="in" filter="fade">
+                                      <p:cBhvr>
+                                        <p:cTn id="26" dur="250"/>
+                                        <p:tgtEl>
+                                          <p:spTgt spid="11"/>
+                                        </p:tgtEl>
+                                      </p:cBhvr>
+                                    </p:animEffect>
+                                  </p:childTnLst>
+                                </p:cTn>
+                              </p:par>
+                            </p:childTnLst>
+                          </p:cTn>
+                        </p:par>
+                      </p:childTnLst>
+                    </p:cTn>
+                  </p:par>
+                </p:childTnLst>
+              </p:cTn>
+              <p:prevCondLst>
+                <p:cond evt="onPrev" delay="0">
+                  <p:tgtEl>
+                    <p:sldTgt/>
+                  </p:tgtEl>
+                </p:cond>
+              </p:prevCondLst>
+              <p:nextCondLst>
+                <p:cond evt="onNext" delay="0">
+                  <p:tgtEl>
+                    <p:sldTgt/>
+                  </p:tgtEl>
+                </p:cond>
+              </p:nextCondLst>
+            </p:seq>
+          </p:childTnLst>
+        </p:cTn>
+      </p:par>
+    </p:tnLst>
+    <p:bldLst>
+      <p:bldP spid="6" grpId="0"/>
+    </p:bldLst>
+  </p:timing>
+</p:sld>
+</file>
+
+<file path=ppt/slides/slide2.xml><?xml version="1.0" encoding="utf-8"?>
+<p:sld xmlns:a="http://schemas.openxmlformats.org/drawingml/2006/main" xmlns:r="http://schemas.openxmlformats.org/officeDocument/2006/relationships" xmlns:p="http://schemas.openxmlformats.org/presentationml/2006/main">
+  <p:cSld>
+    <p:spTree>
+      <p:nvGrpSpPr>
+        <p:cNvPr id="1" name=""/>
+        <p:cNvGrpSpPr/>
+        <p:nvPr/>
+      </p:nvGrpSpPr>
+      <p:grpSpPr>
+        <a:xfrm>
+          <a:off x="0" y="0"/>
+          <a:ext cx="0" cy="0"/>
+          <a:chOff x="0" y="0"/>
+          <a:chExt cx="0" cy="0"/>
+        </a:xfrm>
+      </p:grpSpPr>
+      <p:sp>
+        <p:nvSpPr>
+          <p:cNvPr id="6" name="TextBox 5"/>
+          <p:cNvSpPr txBox="1"/>
+          <p:nvPr/>
+        </p:nvSpPr>
+        <p:spPr>
+          <a:xfrm>
+            <a:off x="228600" y="152400"/>
+            <a:ext cx="8610600" cy="769441"/>
+          </a:xfrm>
+          <a:prstGeom prst="rect">
+            <a:avLst/>
+          </a:prstGeom>
+          <a:noFill/>
+        </p:spPr>
+        <p:txBody>
+          <a:bodyPr wrap="square" rtlCol="0">
+            <a:spAutoFit/>
+          </a:bodyPr>
+          <a:lstStyle/>
+          <a:p>
+            <a:r>
+              <a:rPr lang="en-US" sz="4400" b="1" dirty="0"/>
+              <a:t>Key Takeaways (review)</a:t>
+            </a:r>
+          </a:p>
+        </p:txBody>
+      </p:sp>
+      <p:grpSp>
+        <p:nvGrpSpPr>
+          <p:cNvPr id="12" name="Group 11">
+            <a:extLst>
+              <a:ext uri="{FF2B5EF4-FFF2-40B4-BE49-F238E27FC236}">
+                <a16:creationId xmlns:a16="http://schemas.microsoft.com/office/drawing/2014/main" id="{9C7293A5-9F6A-4A42-B28F-77E682AEFD25}"/>
+              </a:ext>
+            </a:extLst>
+          </p:cNvPr>
+          <p:cNvGrpSpPr/>
+          <p:nvPr/>
+        </p:nvGrpSpPr>
+        <p:grpSpPr>
+          <a:xfrm>
+            <a:off x="533400" y="2895600"/>
+            <a:ext cx="8001000" cy="685800"/>
+            <a:chOff x="533400" y="2895600"/>
+            <a:chExt cx="8001000" cy="685800"/>
+          </a:xfrm>
+        </p:grpSpPr>
+        <p:sp>
+          <p:nvSpPr>
+            <p:cNvPr id="7" name="Oval 6">
+              <a:extLst>
+                <a:ext uri="{FF2B5EF4-FFF2-40B4-BE49-F238E27FC236}">
+                  <a16:creationId xmlns:a16="http://schemas.microsoft.com/office/drawing/2014/main" id="{536B79E8-7DCE-0445-821B-D0B03DF78CAA}"/>
+                </a:ext>
+              </a:extLst>
+            </p:cNvPr>
+            <p:cNvSpPr/>
+            <p:nvPr/>
+          </p:nvSpPr>
+          <p:spPr>
+            <a:xfrm>
+              <a:off x="533400" y="2895600"/>
+              <a:ext cx="685800" cy="685800"/>
+            </a:xfrm>
+            <a:prstGeom prst="ellipse">
+              <a:avLst/>
+            </a:prstGeom>
+            <a:solidFill>
+              <a:srgbClr val="009EC0"/>
+            </a:solidFill>
+            <a:ln>
+              <a:noFill/>
+            </a:ln>
+          </p:spPr>
+          <p:style>
+            <a:lnRef idx="2">
+              <a:schemeClr val="accent1">
+                <a:shade val="50000"/>
+              </a:schemeClr>
+            </a:lnRef>
+            <a:fillRef idx="1">
+              <a:schemeClr val="accent1"/>
+            </a:fillRef>
+            <a:effectRef idx="0">
+              <a:schemeClr val="accent1"/>
+            </a:effectRef>
+            <a:fontRef idx="minor">
+              <a:schemeClr val="lt1"/>
+            </a:fontRef>
+          </p:style>
+          <p:txBody>
+            <a:bodyPr rtlCol="0" anchor="ctr"/>
+            <a:lstStyle/>
+            <a:p>
+              <a:pPr algn="ctr"/>
+              <a:r>
+                <a:rPr lang="en-US" sz="2800" dirty="0">
+                  <a:solidFill>
+                    <a:schemeClr val="tx1"/>
+                  </a:solidFill>
+                </a:rPr>
+                <a:t>2</a:t>
+              </a:r>
+            </a:p>
+          </p:txBody>
+        </p:sp>
+        <p:sp>
+          <p:nvSpPr>
+            <p:cNvPr id="4" name="Rectangle 3">
+              <a:extLst>
+                <a:ext uri="{FF2B5EF4-FFF2-40B4-BE49-F238E27FC236}">
+                  <a16:creationId xmlns:a16="http://schemas.microsoft.com/office/drawing/2014/main" id="{8330B7FE-A318-9845-8F59-02267667CECB}"/>
+                </a:ext>
+              </a:extLst>
+            </p:cNvPr>
+            <p:cNvSpPr/>
+            <p:nvPr/>
+          </p:nvSpPr>
+          <p:spPr>
+            <a:xfrm>
+              <a:off x="1447800" y="2895600"/>
+              <a:ext cx="7086600" cy="685800"/>
+            </a:xfrm>
+            <a:prstGeom prst="rect">
+              <a:avLst/>
+            </a:prstGeom>
+            <a:noFill/>
+            <a:ln>
+              <a:noFill/>
+            </a:ln>
+          </p:spPr>
+          <p:style>
+            <a:lnRef idx="2">
+              <a:schemeClr val="accent1">
+                <a:shade val="50000"/>
+              </a:schemeClr>
+            </a:lnRef>
+            <a:fillRef idx="1">
+              <a:schemeClr val="accent1"/>
+            </a:fillRef>
+            <a:effectRef idx="0">
+              <a:schemeClr val="accent1"/>
+            </a:effectRef>
+            <a:fontRef idx="minor">
+              <a:schemeClr val="lt1"/>
+            </a:fontRef>
+          </p:style>
+          <p:txBody>
+            <a:bodyPr rtlCol="0" anchor="ctr"/>
+            <a:lstStyle/>
+            <a:p>
+              <a:r>
+                <a:rPr lang="en-US" sz="2400" dirty="0">
+                  <a:solidFill>
+                    <a:schemeClr val="tx1"/>
+                  </a:solidFill>
+                </a:rPr>
+                <a:t>Getting to the </a:t>
+              </a:r>
+              <a:r>
+                <a:rPr lang="en-US" sz="2400" b="1" dirty="0">
+                  <a:solidFill>
+                    <a:schemeClr val="tx1"/>
+                  </a:solidFill>
+                  <a:highlight>
+                    <a:srgbClr val="C00002"/>
+                  </a:highlight>
+                </a:rPr>
+                <a:t>“call-to-action” in every conversation is not required</a:t>
+              </a:r>
+              <a:r>
+                <a:rPr lang="en-US" sz="2400" dirty="0">
+                  <a:solidFill>
+                    <a:schemeClr val="tx1"/>
+                  </a:solidFill>
+                </a:rPr>
+                <a:t> (and in some cases, not a good idea) </a:t>
+              </a:r>
+            </a:p>
+          </p:txBody>
+        </p:sp>
+      </p:grpSp>
+      <p:grpSp>
+        <p:nvGrpSpPr>
+          <p:cNvPr id="9" name="Group 8">
+            <a:extLst>
+              <a:ext uri="{FF2B5EF4-FFF2-40B4-BE49-F238E27FC236}">
+                <a16:creationId xmlns:a16="http://schemas.microsoft.com/office/drawing/2014/main" id="{55676BE1-B42E-AD44-9DD5-FF20BEB47F36}"/>
+              </a:ext>
+            </a:extLst>
+          </p:cNvPr>
+          <p:cNvGrpSpPr/>
+          <p:nvPr/>
+        </p:nvGrpSpPr>
+        <p:grpSpPr>
+          <a:xfrm>
+            <a:off x="533400" y="1833265"/>
+            <a:ext cx="8001000" cy="685800"/>
+            <a:chOff x="533400" y="1833265"/>
+            <a:chExt cx="8001000" cy="685800"/>
+          </a:xfrm>
+        </p:grpSpPr>
+        <p:sp>
+          <p:nvSpPr>
+            <p:cNvPr id="2" name="Oval 1">
+              <a:extLst>
+                <a:ext uri="{FF2B5EF4-FFF2-40B4-BE49-F238E27FC236}">
+                  <a16:creationId xmlns:a16="http://schemas.microsoft.com/office/drawing/2014/main" id="{876D5A54-0C8D-804B-88A0-6609A2C1405C}"/>
+                </a:ext>
+              </a:extLst>
+            </p:cNvPr>
+            <p:cNvSpPr/>
+            <p:nvPr/>
+          </p:nvSpPr>
+          <p:spPr>
+            <a:xfrm>
+              <a:off x="533400" y="1833265"/>
+              <a:ext cx="685800" cy="685800"/>
+            </a:xfrm>
+            <a:prstGeom prst="ellipse">
+              <a:avLst/>
+            </a:prstGeom>
+            <a:solidFill>
+              <a:srgbClr val="009EC0"/>
+            </a:solidFill>
+            <a:ln>
+              <a:noFill/>
+            </a:ln>
+          </p:spPr>
+          <p:style>
+            <a:lnRef idx="2">
+              <a:schemeClr val="accent1">
+                <a:shade val="50000"/>
+              </a:schemeClr>
+            </a:lnRef>
+            <a:fillRef idx="1">
+              <a:schemeClr val="accent1"/>
+            </a:fillRef>
+            <a:effectRef idx="0">
+              <a:schemeClr val="accent1"/>
+            </a:effectRef>
+            <a:fontRef idx="minor">
+              <a:schemeClr val="lt1"/>
+            </a:fontRef>
+          </p:style>
+          <p:txBody>
+            <a:bodyPr rtlCol="0" anchor="ctr"/>
+            <a:lstStyle/>
+            <a:p>
+              <a:pPr algn="ctr"/>
+              <a:r>
+                <a:rPr lang="en-US" sz="2800" dirty="0">
+                  <a:solidFill>
+                    <a:schemeClr val="tx1"/>
+                  </a:solidFill>
+                </a:rPr>
+                <a:t>1</a:t>
+              </a:r>
+            </a:p>
+          </p:txBody>
+        </p:sp>
+        <p:sp>
+          <p:nvSpPr>
+            <p:cNvPr id="10" name="Rectangle 9">
+              <a:extLst>
+                <a:ext uri="{FF2B5EF4-FFF2-40B4-BE49-F238E27FC236}">
+                  <a16:creationId xmlns:a16="http://schemas.microsoft.com/office/drawing/2014/main" id="{312C2DC5-5653-DC4B-98A2-76A0B8F08883}"/>
+                </a:ext>
+              </a:extLst>
+            </p:cNvPr>
+            <p:cNvSpPr/>
+            <p:nvPr/>
+          </p:nvSpPr>
+          <p:spPr>
+            <a:xfrm>
+              <a:off x="1447800" y="1833265"/>
+              <a:ext cx="7086600" cy="685800"/>
+            </a:xfrm>
+            <a:prstGeom prst="rect">
+              <a:avLst/>
+            </a:prstGeom>
+            <a:noFill/>
+            <a:ln>
+              <a:noFill/>
+            </a:ln>
+          </p:spPr>
+          <p:style>
+            <a:lnRef idx="2">
+              <a:schemeClr val="accent1">
+                <a:shade val="50000"/>
+              </a:schemeClr>
+            </a:lnRef>
+            <a:fillRef idx="1">
+              <a:schemeClr val="accent1"/>
+            </a:fillRef>
+            <a:effectRef idx="0">
+              <a:schemeClr val="accent1"/>
+            </a:effectRef>
+            <a:fontRef idx="minor">
+              <a:schemeClr val="lt1"/>
+            </a:fontRef>
+          </p:style>
+          <p:txBody>
+            <a:bodyPr rtlCol="0" anchor="ctr"/>
+            <a:lstStyle/>
+            <a:p>
+              <a:r>
+                <a:rPr lang="en-US" sz="2400" dirty="0">
+                  <a:solidFill>
+                    <a:schemeClr val="tx1"/>
+                  </a:solidFill>
+                </a:rPr>
+                <a:t>Time on </a:t>
+              </a:r>
+              <a:r>
+                <a:rPr lang="en-US" sz="2400" b="1" dirty="0">
+                  <a:solidFill>
+                    <a:schemeClr val="tx1"/>
+                  </a:solidFill>
+                  <a:highlight>
+                    <a:srgbClr val="C00002"/>
+                  </a:highlight>
+                </a:rPr>
+                <a:t>“pre-evangelism</a:t>
+              </a:r>
+              <a:r>
+                <a:rPr lang="en-US" sz="2400" dirty="0">
+                  <a:solidFill>
+                    <a:schemeClr val="tx1"/>
+                  </a:solidFill>
+                  <a:highlight>
+                    <a:srgbClr val="C00002"/>
+                  </a:highlight>
+                </a:rPr>
+                <a:t>”</a:t>
+              </a:r>
+              <a:r>
+                <a:rPr lang="en-US" sz="2400" dirty="0">
+                  <a:solidFill>
+                    <a:schemeClr val="tx1"/>
+                  </a:solidFill>
+                </a:rPr>
+                <a:t> is time well spent; give yourself credit even if all you do is ask some questions</a:t>
+              </a:r>
+            </a:p>
+          </p:txBody>
+        </p:sp>
+      </p:grpSp>
+      <p:cxnSp>
+        <p:nvCxnSpPr>
+          <p:cNvPr id="8" name="Straight Connector 7">
+            <a:extLst>
+              <a:ext uri="{FF2B5EF4-FFF2-40B4-BE49-F238E27FC236}">
+                <a16:creationId xmlns:a16="http://schemas.microsoft.com/office/drawing/2014/main" id="{B1CE1C68-C736-2F42-AD3D-29FCB9A69CAD}"/>
+              </a:ext>
+            </a:extLst>
+          </p:cNvPr>
+          <p:cNvCxnSpPr>
+            <a:cxnSpLocks/>
+          </p:cNvCxnSpPr>
+          <p:nvPr/>
+        </p:nvCxnSpPr>
+        <p:spPr>
+          <a:xfrm>
+            <a:off x="304800" y="1066800"/>
+            <a:ext cx="8534400" cy="0"/>
+          </a:xfrm>
+          <a:prstGeom prst="line">
+            <a:avLst/>
+          </a:prstGeom>
+          <a:ln w="76200">
+            <a:solidFill>
+              <a:srgbClr val="009EC0"/>
+            </a:solidFill>
+          </a:ln>
+        </p:spPr>
+        <p:style>
+          <a:lnRef idx="1">
+            <a:schemeClr val="dk1"/>
+          </a:lnRef>
+          <a:fillRef idx="0">
+            <a:schemeClr val="dk1"/>
+          </a:fillRef>
+          <a:effectRef idx="0">
+            <a:schemeClr val="dk1"/>
+          </a:effectRef>
+          <a:fontRef idx="minor">
+            <a:schemeClr val="tx1"/>
+          </a:fontRef>
+        </p:style>
+      </p:cxnSp>
+    </p:spTree>
+    <p:extLst>
+      <p:ext uri="{BB962C8B-B14F-4D97-AF65-F5344CB8AC3E}">
+        <p14:creationId xmlns:p14="http://schemas.microsoft.com/office/powerpoint/2010/main" val="111309557"/>
+      </p:ext>
+    </p:extLst>
+  </p:cSld>
+  <p:clrMapOvr>
+    <a:masterClrMapping/>
+  </p:clrMapOvr>
+  <p:timing>
+    <p:tnLst>
+      <p:par>
+        <p:cTn id="1" dur="indefinite" restart="never" nodeType="tmRoot">
+          <p:childTnLst>
+            <p:seq concurrent="1" nextAc="seek">
+              <p:cTn id="2" dur="indefinite" nodeType="mainSeq">
+                <p:childTnLst>
+                  <p:par>
+                    <p:cTn id="3" fill="hold">
+                      <p:stCondLst>
+                        <p:cond delay="indefinite"/>
+                      </p:stCondLst>
+                      <p:childTnLst>
+                        <p:par>
+                          <p:cTn id="4" fill="hold">
+                            <p:stCondLst>
+                              <p:cond delay="0"/>
+                            </p:stCondLst>
+                            <p:childTnLst>
+                              <p:par>
+                                <p:cTn id="5" presetID="10" presetClass="entr" presetSubtype="0" fill="hold" grpId="0" nodeType="clickEffect">
+                                  <p:stCondLst>
+                                    <p:cond delay="0"/>
+                                  </p:stCondLst>
+                                  <p:childTnLst>
+                                    <p:set>
+                                      <p:cBhvr>
+                                        <p:cTn id="6" dur="1" fill="hold">
+                                          <p:stCondLst>
+                                            <p:cond delay="0"/>
+                                          </p:stCondLst>
+                                        </p:cTn>
+                                        <p:tgtEl>
+                                          <p:spTgt spid="6"/>
+                                        </p:tgtEl>
+                                        <p:attrNameLst>
+                                          <p:attrName>style.visibility</p:attrName>
+                                        </p:attrNameLst>
+                                      </p:cBhvr>
+                                      <p:to>
+                                        <p:strVal val="visible"/>
+                                      </p:to>
+                                    </p:set>
+                                    <p:animEffect transition="in" filter="fade">
+                                      <p:cBhvr>
+                                        <p:cTn id="7" dur="250"/>
+                                        <p:tgtEl>
+                                          <p:spTgt spid="6"/>
+                                        </p:tgtEl>
+                                      </p:cBhvr>
+                                    </p:animEffect>
+                                  </p:childTnLst>
+                                </p:cTn>
+                              </p:par>
+                            </p:childTnLst>
+                          </p:cTn>
+                        </p:par>
+                        <p:par>
+                          <p:cTn id="8" fill="hold">
+                            <p:stCondLst>
+                              <p:cond delay="250"/>
+                            </p:stCondLst>
+                            <p:childTnLst>
+                              <p:par>
+                                <p:cTn id="9" presetID="10" presetClass="entr" presetSubtype="0" fill="hold" nodeType="afterEffect">
+                                  <p:stCondLst>
+                                    <p:cond delay="0"/>
+                                  </p:stCondLst>
+                                  <p:childTnLst>
+                                    <p:set>
+                                      <p:cBhvr>
+                                        <p:cTn id="10" dur="1" fill="hold">
+                                          <p:stCondLst>
+                                            <p:cond delay="0"/>
+                                          </p:stCondLst>
+                                        </p:cTn>
+                                        <p:tgtEl>
+                                          <p:spTgt spid="8"/>
+                                        </p:tgtEl>
+                                        <p:attrNameLst>
+                                          <p:attrName>style.visibility</p:attrName>
+                                        </p:attrNameLst>
+                                      </p:cBhvr>
+                                      <p:to>
+                                        <p:strVal val="visible"/>
+                                      </p:to>
+                                    </p:set>
+                                    <p:animEffect transition="in" filter="fade">
+                                      <p:cBhvr>
+                                        <p:cTn id="11" dur="250"/>
+                                        <p:tgtEl>
+                                          <p:spTgt spid="8"/>
+                                        </p:tgtEl>
+                                      </p:cBhvr>
+                                    </p:animEffect>
+                                  </p:childTnLst>
+                                </p:cTn>
+                              </p:par>
+                            </p:childTnLst>
+                          </p:cTn>
+                        </p:par>
+                      </p:childTnLst>
+                    </p:cTn>
+                  </p:par>
+                  <p:par>
+                    <p:cTn id="12" fill="hold">
+                      <p:stCondLst>
+                        <p:cond delay="indefinite"/>
+                      </p:stCondLst>
+                      <p:childTnLst>
+                        <p:par>
+                          <p:cTn id="13" fill="hold">
+                            <p:stCondLst>
+                              <p:cond delay="0"/>
+                            </p:stCondLst>
+                            <p:childTnLst>
+                              <p:par>
+                                <p:cTn id="14" presetID="10" presetClass="entr" presetSubtype="0" fill="hold" nodeType="clickEffect">
+                                  <p:stCondLst>
+                                    <p:cond delay="0"/>
+                                  </p:stCondLst>
+                                  <p:childTnLst>
+                                    <p:set>
+                                      <p:cBhvr>
+                                        <p:cTn id="15" dur="1" fill="hold">
+                                          <p:stCondLst>
+                                            <p:cond delay="0"/>
+                                          </p:stCondLst>
+                                        </p:cTn>
+                                        <p:tgtEl>
+                                          <p:spTgt spid="9"/>
+                                        </p:tgtEl>
+                                        <p:attrNameLst>
+                                          <p:attrName>style.visibility</p:attrName>
+                                        </p:attrNameLst>
+                                      </p:cBhvr>
+                                      <p:to>
+                                        <p:strVal val="visible"/>
+                                      </p:to>
+                                    </p:set>
+                                    <p:animEffect transition="in" filter="fade">
+                                      <p:cBhvr>
+                                        <p:cTn id="16" dur="250"/>
+                                        <p:tgtEl>
+                                          <p:spTgt spid="9"/>
+                                        </p:tgtEl>
+                                      </p:cBhvr>
+                                    </p:animEffect>
+                                  </p:childTnLst>
+                                </p:cTn>
+                              </p:par>
+                            </p:childTnLst>
+                          </p:cTn>
+                        </p:par>
+                      </p:childTnLst>
+                    </p:cTn>
+                  </p:par>
+                  <p:par>
+                    <p:cTn id="17" fill="hold">
+                      <p:stCondLst>
+                        <p:cond delay="indefinite"/>
+                      </p:stCondLst>
+                      <p:childTnLst>
+                        <p:par>
+                          <p:cTn id="18" fill="hold">
+                            <p:stCondLst>
+                              <p:cond delay="0"/>
+                            </p:stCondLst>
+                            <p:childTnLst>
+                              <p:par>
+                                <p:cTn id="19" presetID="10" presetClass="entr" presetSubtype="0" fill="hold" nodeType="clickEffect">
+                                  <p:stCondLst>
+                                    <p:cond delay="0"/>
+                                  </p:stCondLst>
+                                  <p:childTnLst>
+                                    <p:set>
+                                      <p:cBhvr>
+                                        <p:cTn id="20" dur="1" fill="hold">
+                                          <p:stCondLst>
+                                            <p:cond delay="0"/>
+                                          </p:stCondLst>
+                                        </p:cTn>
+                                        <p:tgtEl>
+                                          <p:spTgt spid="12"/>
+                                        </p:tgtEl>
+                                        <p:attrNameLst>
+                                          <p:attrName>style.visibility</p:attrName>
+                                        </p:attrNameLst>
+                                      </p:cBhvr>
+                                      <p:to>
+                                        <p:strVal val="visible"/>
+                                      </p:to>
+                                    </p:set>
+                                    <p:animEffect transition="in" filter="fade">
+                                      <p:cBhvr>
+                                        <p:cTn id="21" dur="250"/>
+                                        <p:tgtEl>
+                                          <p:spTgt spid="12"/>
+                                        </p:tgtEl>
+                                      </p:cBhvr>
+                                    </p:animEffect>
+                                  </p:childTnLst>
+                                </p:cTn>
+                              </p:par>
+                            </p:childTnLst>
+                          </p:cTn>
+                        </p:par>
+                      </p:childTnLst>
+                    </p:cTn>
+                  </p:par>
+                </p:childTnLst>
+              </p:cTn>
+              <p:prevCondLst>
+                <p:cond evt="onPrev" delay="0">
+                  <p:tgtEl>
+                    <p:sldTgt/>
+                  </p:tgtEl>
+                </p:cond>
+              </p:prevCondLst>
+              <p:nextCondLst>
+                <p:cond evt="onNext" delay="0">
+                  <p:tgtEl>
+                    <p:sldTgt/>
+                  </p:tgtEl>
+                </p:cond>
+              </p:nextCondLst>
+            </p:seq>
+          </p:childTnLst>
+        </p:cTn>
+      </p:par>
+    </p:tnLst>
+    <p:bldLst>
+      <p:bldP spid="6" grpId="0"/>
+    </p:bldLst>
+  </p:timing>
+</p:sld>
+</file>
+
+<file path=ppt/slides/slide3.xml><?xml version="1.0" encoding="utf-8"?>
+<p:sld xmlns:a="http://schemas.openxmlformats.org/drawingml/2006/main" xmlns:r="http://schemas.openxmlformats.org/officeDocument/2006/relationships" xmlns:p="http://schemas.openxmlformats.org/presentationml/2006/main">
+  <p:cSld>
+    <p:spTree>
+      <p:nvGrpSpPr>
+        <p:cNvPr id="1" name=""/>
+        <p:cNvGrpSpPr/>
+        <p:nvPr/>
+      </p:nvGrpSpPr>
+      <p:grpSpPr>
+        <a:xfrm>
+          <a:off x="0" y="0"/>
+          <a:ext cx="0" cy="0"/>
+          <a:chOff x="0" y="0"/>
+          <a:chExt cx="0" cy="0"/>
+        </a:xfrm>
+      </p:grpSpPr>
+      <p:grpSp>
+        <p:nvGrpSpPr>
+          <p:cNvPr id="4" name="Group 3">
+            <a:extLst>
+              <a:ext uri="{FF2B5EF4-FFF2-40B4-BE49-F238E27FC236}">
+                <a16:creationId xmlns:a16="http://schemas.microsoft.com/office/drawing/2014/main" id="{76D0AD62-610F-2343-9B0E-52F648458EA8}"/>
+              </a:ext>
+            </a:extLst>
+          </p:cNvPr>
+          <p:cNvGrpSpPr/>
+          <p:nvPr/>
+        </p:nvGrpSpPr>
+        <p:grpSpPr>
+          <a:xfrm>
+            <a:off x="209549" y="1669464"/>
+            <a:ext cx="8724901" cy="954107"/>
+            <a:chOff x="304800" y="4648200"/>
+            <a:chExt cx="8724901" cy="954107"/>
+          </a:xfrm>
+        </p:grpSpPr>
+        <p:sp>
+          <p:nvSpPr>
+            <p:cNvPr id="2" name="TextBox 1">
+              <a:extLst>
+                <a:ext uri="{FF2B5EF4-FFF2-40B4-BE49-F238E27FC236}">
+                  <a16:creationId xmlns:a16="http://schemas.microsoft.com/office/drawing/2014/main" id="{65E69FF4-5D6C-1F4A-BC1D-8328E1004154}"/>
+                </a:ext>
+              </a:extLst>
+            </p:cNvPr>
+            <p:cNvSpPr txBox="1"/>
+            <p:nvPr/>
+          </p:nvSpPr>
+          <p:spPr>
+            <a:xfrm>
+              <a:off x="304800" y="4648200"/>
+              <a:ext cx="1147943" cy="523220"/>
+            </a:xfrm>
+            <a:prstGeom prst="rect">
+              <a:avLst/>
+            </a:prstGeom>
+            <a:noFill/>
+          </p:spPr>
+          <p:txBody>
+            <a:bodyPr wrap="none" rtlCol="0">
+              <a:spAutoFit/>
+            </a:bodyPr>
+            <a:lstStyle/>
+            <a:p>
+              <a:r>
+                <a:rPr lang="en-US" sz="2800" dirty="0">
+                  <a:solidFill>
+                    <a:srgbClr val="009EC0"/>
+                  </a:solidFill>
+                </a:rPr>
+                <a:t>What?</a:t>
+              </a:r>
+            </a:p>
+          </p:txBody>
+        </p:sp>
+        <p:sp>
+          <p:nvSpPr>
+            <p:cNvPr id="3" name="TextBox 2">
+              <a:extLst>
+                <a:ext uri="{FF2B5EF4-FFF2-40B4-BE49-F238E27FC236}">
+                  <a16:creationId xmlns:a16="http://schemas.microsoft.com/office/drawing/2014/main" id="{E796A5EC-87C6-D048-8010-771FD1CA8E24}"/>
+                </a:ext>
+              </a:extLst>
+            </p:cNvPr>
+            <p:cNvSpPr txBox="1"/>
+            <p:nvPr/>
+          </p:nvSpPr>
+          <p:spPr>
+            <a:xfrm>
+              <a:off x="1600201" y="4648200"/>
+              <a:ext cx="7429500" cy="954107"/>
+            </a:xfrm>
+            <a:prstGeom prst="rect">
+              <a:avLst/>
+            </a:prstGeom>
+            <a:noFill/>
+          </p:spPr>
+          <p:txBody>
+            <a:bodyPr wrap="square" rtlCol="0">
+              <a:spAutoFit/>
+            </a:bodyPr>
+            <a:lstStyle/>
+            <a:p>
+              <a:r>
+                <a:rPr lang="en-US" sz="2800" dirty="0"/>
+                <a:t>Recognize how much </a:t>
+              </a:r>
+              <a:r>
+                <a:rPr lang="en-US" sz="2800" b="1" dirty="0">
+                  <a:highlight>
+                    <a:srgbClr val="C00002"/>
+                  </a:highlight>
+                </a:rPr>
+                <a:t>our approach matters</a:t>
+              </a:r>
+              <a:r>
+                <a:rPr lang="en-US" sz="2800" dirty="0"/>
+                <a:t> (in addition to the facts)</a:t>
+              </a:r>
+            </a:p>
+          </p:txBody>
+        </p:sp>
+      </p:grpSp>
+      <p:grpSp>
+        <p:nvGrpSpPr>
+          <p:cNvPr id="6" name="Group 5">
+            <a:extLst>
+              <a:ext uri="{FF2B5EF4-FFF2-40B4-BE49-F238E27FC236}">
+                <a16:creationId xmlns:a16="http://schemas.microsoft.com/office/drawing/2014/main" id="{16DEED69-411E-5C47-8C2F-1FA7F3AC4BAB}"/>
+              </a:ext>
+            </a:extLst>
+          </p:cNvPr>
+          <p:cNvGrpSpPr/>
+          <p:nvPr/>
+        </p:nvGrpSpPr>
+        <p:grpSpPr>
+          <a:xfrm>
+            <a:off x="209549" y="2860491"/>
+            <a:ext cx="8724901" cy="954107"/>
+            <a:chOff x="304800" y="4648200"/>
+            <a:chExt cx="8724901" cy="954107"/>
+          </a:xfrm>
+        </p:grpSpPr>
+        <p:sp>
+          <p:nvSpPr>
+            <p:cNvPr id="7" name="TextBox 6">
+              <a:extLst>
+                <a:ext uri="{FF2B5EF4-FFF2-40B4-BE49-F238E27FC236}">
+                  <a16:creationId xmlns:a16="http://schemas.microsoft.com/office/drawing/2014/main" id="{0BE67C1E-EE53-F64B-A1C4-C71C7BD5283F}"/>
+                </a:ext>
+              </a:extLst>
+            </p:cNvPr>
+            <p:cNvSpPr txBox="1"/>
+            <p:nvPr/>
+          </p:nvSpPr>
+          <p:spPr>
+            <a:xfrm>
+              <a:off x="304800" y="4648200"/>
+              <a:ext cx="1014765" cy="523220"/>
+            </a:xfrm>
+            <a:prstGeom prst="rect">
+              <a:avLst/>
+            </a:prstGeom>
+            <a:noFill/>
+          </p:spPr>
+          <p:txBody>
+            <a:bodyPr wrap="none" rtlCol="0">
+              <a:spAutoFit/>
+            </a:bodyPr>
+            <a:lstStyle/>
+            <a:p>
+              <a:r>
+                <a:rPr lang="en-US" sz="2800" dirty="0">
+                  <a:solidFill>
+                    <a:srgbClr val="009EC0"/>
+                  </a:solidFill>
+                </a:rPr>
+                <a:t>Why?</a:t>
+              </a:r>
+            </a:p>
+          </p:txBody>
+        </p:sp>
+        <p:sp>
+          <p:nvSpPr>
+            <p:cNvPr id="8" name="TextBox 7">
+              <a:extLst>
+                <a:ext uri="{FF2B5EF4-FFF2-40B4-BE49-F238E27FC236}">
+                  <a16:creationId xmlns:a16="http://schemas.microsoft.com/office/drawing/2014/main" id="{44657A2D-A10C-1745-AFDB-1C0FC5EA2AAD}"/>
+                </a:ext>
+              </a:extLst>
+            </p:cNvPr>
+            <p:cNvSpPr txBox="1"/>
+            <p:nvPr/>
+          </p:nvSpPr>
+          <p:spPr>
+            <a:xfrm>
+              <a:off x="1600201" y="4648200"/>
+              <a:ext cx="7429500" cy="954107"/>
+            </a:xfrm>
+            <a:prstGeom prst="rect">
+              <a:avLst/>
+            </a:prstGeom>
+            <a:noFill/>
+          </p:spPr>
+          <p:txBody>
+            <a:bodyPr wrap="square" rtlCol="0">
+              <a:spAutoFit/>
+            </a:bodyPr>
+            <a:lstStyle/>
+            <a:p>
+              <a:r>
+                <a:rPr lang="en-US" sz="2800" dirty="0"/>
+                <a:t>So that we use an </a:t>
+              </a:r>
+              <a:r>
+                <a:rPr lang="en-US" sz="2800" b="1" dirty="0">
+                  <a:highlight>
+                    <a:srgbClr val="C00002"/>
+                  </a:highlight>
+                </a:rPr>
+                <a:t>artful and attractive approach</a:t>
+              </a:r>
+              <a:r>
+                <a:rPr lang="en-US" sz="2800" dirty="0"/>
+                <a:t> that makes our message more persuasive</a:t>
+              </a:r>
+            </a:p>
+          </p:txBody>
+        </p:sp>
+      </p:grpSp>
+      <p:grpSp>
+        <p:nvGrpSpPr>
+          <p:cNvPr id="9" name="Group 8">
+            <a:extLst>
+              <a:ext uri="{FF2B5EF4-FFF2-40B4-BE49-F238E27FC236}">
+                <a16:creationId xmlns:a16="http://schemas.microsoft.com/office/drawing/2014/main" id="{493A2E7B-FE2C-7045-B882-6D1EC3306C1D}"/>
+              </a:ext>
+            </a:extLst>
+          </p:cNvPr>
+          <p:cNvGrpSpPr/>
+          <p:nvPr/>
+        </p:nvGrpSpPr>
+        <p:grpSpPr>
+          <a:xfrm>
+            <a:off x="209549" y="4051518"/>
+            <a:ext cx="8724901" cy="954107"/>
+            <a:chOff x="304800" y="4648200"/>
+            <a:chExt cx="8724901" cy="954107"/>
+          </a:xfrm>
+        </p:grpSpPr>
+        <p:sp>
+          <p:nvSpPr>
+            <p:cNvPr id="10" name="TextBox 9">
+              <a:extLst>
+                <a:ext uri="{FF2B5EF4-FFF2-40B4-BE49-F238E27FC236}">
+                  <a16:creationId xmlns:a16="http://schemas.microsoft.com/office/drawing/2014/main" id="{DCC9CB31-E9E8-7549-8460-8E8840BD1585}"/>
+                </a:ext>
+              </a:extLst>
+            </p:cNvPr>
+            <p:cNvSpPr txBox="1"/>
+            <p:nvPr/>
+          </p:nvSpPr>
+          <p:spPr>
+            <a:xfrm>
+              <a:off x="304800" y="4648200"/>
+              <a:ext cx="1020023" cy="523220"/>
+            </a:xfrm>
+            <a:prstGeom prst="rect">
+              <a:avLst/>
+            </a:prstGeom>
+            <a:noFill/>
+          </p:spPr>
+          <p:txBody>
+            <a:bodyPr wrap="none" rtlCol="0">
+              <a:spAutoFit/>
+            </a:bodyPr>
+            <a:lstStyle/>
+            <a:p>
+              <a:r>
+                <a:rPr lang="en-US" sz="2800" dirty="0">
+                  <a:solidFill>
+                    <a:srgbClr val="009EC0"/>
+                  </a:solidFill>
+                </a:rPr>
+                <a:t>How?</a:t>
+              </a:r>
+            </a:p>
+          </p:txBody>
+        </p:sp>
+        <p:sp>
+          <p:nvSpPr>
+            <p:cNvPr id="11" name="TextBox 10">
+              <a:extLst>
+                <a:ext uri="{FF2B5EF4-FFF2-40B4-BE49-F238E27FC236}">
+                  <a16:creationId xmlns:a16="http://schemas.microsoft.com/office/drawing/2014/main" id="{4729ADED-FFF5-454C-BE17-6323C474D829}"/>
+                </a:ext>
+              </a:extLst>
+            </p:cNvPr>
+            <p:cNvSpPr txBox="1"/>
+            <p:nvPr/>
+          </p:nvSpPr>
+          <p:spPr>
+            <a:xfrm>
+              <a:off x="1600201" y="4648200"/>
+              <a:ext cx="7429500" cy="954107"/>
+            </a:xfrm>
+            <a:prstGeom prst="rect">
+              <a:avLst/>
+            </a:prstGeom>
+            <a:noFill/>
+          </p:spPr>
+          <p:txBody>
+            <a:bodyPr wrap="square" rtlCol="0">
+              <a:spAutoFit/>
+            </a:bodyPr>
+            <a:lstStyle/>
+            <a:p>
+              <a:r>
+                <a:rPr lang="en-US" sz="2800" dirty="0"/>
+                <a:t>By discussing the </a:t>
+              </a:r>
+              <a:r>
+                <a:rPr lang="en-US" sz="2800" b="1" dirty="0">
+                  <a:highlight>
+                    <a:srgbClr val="C00002"/>
+                  </a:highlight>
+                </a:rPr>
+                <a:t>attributes of an ambassador</a:t>
+              </a:r>
+              <a:r>
+                <a:rPr lang="en-US" sz="2800" dirty="0"/>
+                <a:t> and how we can use them</a:t>
+              </a:r>
+            </a:p>
+          </p:txBody>
+        </p:sp>
+      </p:grpSp>
+      <p:cxnSp>
+        <p:nvCxnSpPr>
+          <p:cNvPr id="13" name="Straight Connector 12">
+            <a:extLst>
+              <a:ext uri="{FF2B5EF4-FFF2-40B4-BE49-F238E27FC236}">
+                <a16:creationId xmlns:a16="http://schemas.microsoft.com/office/drawing/2014/main" id="{09B462F9-C753-8044-8DE2-965ABC154D9C}"/>
+              </a:ext>
+            </a:extLst>
+          </p:cNvPr>
+          <p:cNvCxnSpPr>
+            <a:cxnSpLocks/>
+          </p:cNvCxnSpPr>
+          <p:nvPr/>
+        </p:nvCxnSpPr>
+        <p:spPr>
+          <a:xfrm>
+            <a:off x="1373874" y="1669464"/>
+            <a:ext cx="0" cy="4197936"/>
+          </a:xfrm>
+          <a:prstGeom prst="line">
+            <a:avLst/>
+          </a:prstGeom>
+          <a:ln>
+            <a:solidFill>
+              <a:schemeClr val="bg1">
+                <a:lumMod val="75000"/>
+                <a:lumOff val="25000"/>
+              </a:schemeClr>
+            </a:solidFill>
+          </a:ln>
+        </p:spPr>
+        <p:style>
+          <a:lnRef idx="1">
+            <a:schemeClr val="accent1"/>
+          </a:lnRef>
+          <a:fillRef idx="0">
+            <a:schemeClr val="accent1"/>
+          </a:fillRef>
+          <a:effectRef idx="0">
+            <a:schemeClr val="accent1"/>
+          </a:effectRef>
+          <a:fontRef idx="minor">
+            <a:schemeClr val="tx1"/>
+          </a:fontRef>
+        </p:style>
+      </p:cxnSp>
+      <p:sp>
+        <p:nvSpPr>
+          <p:cNvPr id="15" name="TextBox 14">
+            <a:extLst>
+              <a:ext uri="{FF2B5EF4-FFF2-40B4-BE49-F238E27FC236}">
+                <a16:creationId xmlns:a16="http://schemas.microsoft.com/office/drawing/2014/main" id="{C43D1156-26DE-A44F-B5F8-AACFA794E957}"/>
+              </a:ext>
+            </a:extLst>
+          </p:cNvPr>
+          <p:cNvSpPr txBox="1"/>
+          <p:nvPr/>
+        </p:nvSpPr>
+        <p:spPr>
+          <a:xfrm>
+            <a:off x="209549" y="708674"/>
+            <a:ext cx="8934451" cy="769441"/>
+          </a:xfrm>
+          <a:prstGeom prst="rect">
+            <a:avLst/>
+          </a:prstGeom>
+          <a:noFill/>
+        </p:spPr>
+        <p:txBody>
+          <a:bodyPr wrap="square" rtlCol="0">
+            <a:spAutoFit/>
+          </a:bodyPr>
+          <a:lstStyle/>
+          <a:p>
+            <a:r>
+              <a:rPr lang="en-US" sz="4400" b="1" dirty="0"/>
+              <a:t>IDEA IN BRIEF</a:t>
+            </a:r>
+          </a:p>
+        </p:txBody>
+      </p:sp>
+    </p:spTree>
+    <p:extLst>
+      <p:ext uri="{BB962C8B-B14F-4D97-AF65-F5344CB8AC3E}">
+        <p14:creationId xmlns:p14="http://schemas.microsoft.com/office/powerpoint/2010/main" val="1389460841"/>
+      </p:ext>
+    </p:extLst>
+  </p:cSld>
+  <p:clrMapOvr>
+    <a:masterClrMapping/>
+  </p:clrMapOvr>
+  <p:timing>
+    <p:tnLst>
+      <p:par>
+        <p:cTn id="1" dur="indefinite" restart="never" nodeType="tmRoot">
+          <p:childTnLst>
+            <p:seq concurrent="1" nextAc="seek">
+              <p:cTn id="2" dur="indefinite" nodeType="mainSeq">
+                <p:childTnLst>
+                  <p:par>
+                    <p:cTn id="3" fill="hold">
+                      <p:stCondLst>
+                        <p:cond delay="indefinite"/>
+                      </p:stCondLst>
+                      <p:childTnLst>
+                        <p:par>
+                          <p:cTn id="4" fill="hold">
+                            <p:stCondLst>
+                              <p:cond delay="0"/>
+                            </p:stCondLst>
+                            <p:childTnLst>
+                              <p:par>
+                                <p:cTn id="5" presetID="10" presetClass="entr" presetSubtype="0" fill="hold" grpId="0" nodeType="clickEffect">
+                                  <p:stCondLst>
+                                    <p:cond delay="0"/>
+                                  </p:stCondLst>
+                                  <p:childTnLst>
+                                    <p:set>
+                                      <p:cBhvr>
+                                        <p:cTn id="6" dur="1" fill="hold">
+                                          <p:stCondLst>
+                                            <p:cond delay="0"/>
+                                          </p:stCondLst>
+                                        </p:cTn>
+                                        <p:tgtEl>
+                                          <p:spTgt spid="15"/>
+                                        </p:tgtEl>
+                                        <p:attrNameLst>
+                                          <p:attrName>style.visibility</p:attrName>
+                                        </p:attrNameLst>
+                                      </p:cBhvr>
+                                      <p:to>
+                                        <p:strVal val="visible"/>
+                                      </p:to>
+                                    </p:set>
+                                    <p:animEffect transition="in" filter="fade">
+                                      <p:cBhvr>
+                                        <p:cTn id="7" dur="250"/>
+                                        <p:tgtEl>
+                                          <p:spTgt spid="15"/>
+                                        </p:tgtEl>
+                                      </p:cBhvr>
+                                    </p:animEffect>
+                                  </p:childTnLst>
+                                </p:cTn>
+                              </p:par>
+                            </p:childTnLst>
+                          </p:cTn>
+                        </p:par>
+                      </p:childTnLst>
+                    </p:cTn>
+                  </p:par>
+                  <p:par>
+                    <p:cTn id="8" fill="hold">
+                      <p:stCondLst>
+                        <p:cond delay="indefinite"/>
+                      </p:stCondLst>
+                      <p:childTnLst>
+                        <p:par>
+                          <p:cTn id="9" fill="hold">
+                            <p:stCondLst>
+                              <p:cond delay="0"/>
+                            </p:stCondLst>
+                            <p:childTnLst>
+                              <p:par>
+                                <p:cTn id="10" presetID="10" presetClass="entr" presetSubtype="0" fill="hold" nodeType="clickEffect">
+                                  <p:stCondLst>
+                                    <p:cond delay="0"/>
+                                  </p:stCondLst>
+                                  <p:childTnLst>
+                                    <p:set>
+                                      <p:cBhvr>
+                                        <p:cTn id="11" dur="1" fill="hold">
+                                          <p:stCondLst>
+                                            <p:cond delay="0"/>
+                                          </p:stCondLst>
+                                        </p:cTn>
+                                        <p:tgtEl>
+                                          <p:spTgt spid="13"/>
+                                        </p:tgtEl>
+                                        <p:attrNameLst>
+                                          <p:attrName>style.visibility</p:attrName>
+                                        </p:attrNameLst>
+                                      </p:cBhvr>
+                                      <p:to>
+                                        <p:strVal val="visible"/>
+                                      </p:to>
+                                    </p:set>
+                                    <p:animEffect transition="in" filter="fade">
+                                      <p:cBhvr>
+                                        <p:cTn id="12" dur="250"/>
+                                        <p:tgtEl>
+                                          <p:spTgt spid="13"/>
+                                        </p:tgtEl>
+                                      </p:cBhvr>
+                                    </p:animEffect>
+                                  </p:childTnLst>
+                                </p:cTn>
+                              </p:par>
+                            </p:childTnLst>
+                          </p:cTn>
+                        </p:par>
+                        <p:par>
+                          <p:cTn id="13" fill="hold">
+                            <p:stCondLst>
+                              <p:cond delay="250"/>
+                            </p:stCondLst>
+                            <p:childTnLst>
+                              <p:par>
+                                <p:cTn id="14" presetID="10" presetClass="entr" presetSubtype="0" fill="hold" nodeType="afterEffect">
+                                  <p:stCondLst>
+                                    <p:cond delay="0"/>
+                                  </p:stCondLst>
+                                  <p:childTnLst>
+                                    <p:set>
+                                      <p:cBhvr>
+                                        <p:cTn id="15" dur="1" fill="hold">
+                                          <p:stCondLst>
+                                            <p:cond delay="0"/>
+                                          </p:stCondLst>
+                                        </p:cTn>
+                                        <p:tgtEl>
+                                          <p:spTgt spid="4"/>
+                                        </p:tgtEl>
+                                        <p:attrNameLst>
+                                          <p:attrName>style.visibility</p:attrName>
+                                        </p:attrNameLst>
+                                      </p:cBhvr>
+                                      <p:to>
+                                        <p:strVal val="visible"/>
+                                      </p:to>
+                                    </p:set>
+                                    <p:animEffect transition="in" filter="fade">
+                                      <p:cBhvr>
+                                        <p:cTn id="16" dur="250"/>
+                                        <p:tgtEl>
+                                          <p:spTgt spid="4"/>
+                                        </p:tgtEl>
+                                      </p:cBhvr>
+                                    </p:animEffect>
+                                  </p:childTnLst>
+                                </p:cTn>
+                              </p:par>
+                            </p:childTnLst>
+                          </p:cTn>
+                        </p:par>
+                      </p:childTnLst>
+                    </p:cTn>
+                  </p:par>
+                  <p:par>
+                    <p:cTn id="17" fill="hold">
+                      <p:stCondLst>
+                        <p:cond delay="indefinite"/>
+                      </p:stCondLst>
+                      <p:childTnLst>
+                        <p:par>
+                          <p:cTn id="18" fill="hold">
+                            <p:stCondLst>
+                              <p:cond delay="0"/>
+                            </p:stCondLst>
+                            <p:childTnLst>
+                              <p:par>
+                                <p:cTn id="19" presetID="10" presetClass="entr" presetSubtype="0" fill="hold" nodeType="clickEffect">
+                                  <p:stCondLst>
+                                    <p:cond delay="0"/>
+                                  </p:stCondLst>
+                                  <p:childTnLst>
+                                    <p:set>
+                                      <p:cBhvr>
+                                        <p:cTn id="20" dur="1" fill="hold">
+                                          <p:stCondLst>
+                                            <p:cond delay="0"/>
+                                          </p:stCondLst>
+                                        </p:cTn>
+                                        <p:tgtEl>
+                                          <p:spTgt spid="6"/>
+                                        </p:tgtEl>
+                                        <p:attrNameLst>
+                                          <p:attrName>style.visibility</p:attrName>
+                                        </p:attrNameLst>
+                                      </p:cBhvr>
+                                      <p:to>
+                                        <p:strVal val="visible"/>
+                                      </p:to>
+                                    </p:set>
+                                    <p:animEffect transition="in" filter="fade">
+                                      <p:cBhvr>
+                                        <p:cTn id="21" dur="250"/>
+                                        <p:tgtEl>
+                                          <p:spTgt spid="6"/>
+                                        </p:tgtEl>
+                                      </p:cBhvr>
+                                    </p:animEffect>
+                                  </p:childTnLst>
+                                </p:cTn>
+                              </p:par>
+                            </p:childTnLst>
+                          </p:cTn>
+                        </p:par>
+                      </p:childTnLst>
+                    </p:cTn>
+                  </p:par>
+                  <p:par>
+                    <p:cTn id="22" fill="hold">
+                      <p:stCondLst>
+                        <p:cond delay="indefinite"/>
+                      </p:stCondLst>
+                      <p:childTnLst>
+                        <p:par>
+                          <p:cTn id="23" fill="hold">
+                            <p:stCondLst>
+                              <p:cond delay="0"/>
+                            </p:stCondLst>
+                            <p:childTnLst>
+                              <p:par>
+                                <p:cTn id="24" presetID="10" presetClass="entr" presetSubtype="0" fill="hold" nodeType="clickEffect">
+                                  <p:stCondLst>
+                                    <p:cond delay="0"/>
+                                  </p:stCondLst>
+                                  <p:childTnLst>
+                                    <p:set>
+                                      <p:cBhvr>
+                                        <p:cTn id="25" dur="1" fill="hold">
+                                          <p:stCondLst>
+                                            <p:cond delay="0"/>
+                                          </p:stCondLst>
+                                        </p:cTn>
+                                        <p:tgtEl>
+                                          <p:spTgt spid="9"/>
+                                        </p:tgtEl>
+                                        <p:attrNameLst>
+                                          <p:attrName>style.visibility</p:attrName>
+                                        </p:attrNameLst>
+                                      </p:cBhvr>
+                                      <p:to>
+                                        <p:strVal val="visible"/>
+                                      </p:to>
+                                    </p:set>
+                                    <p:animEffect transition="in" filter="fade">
+                                      <p:cBhvr>
+                                        <p:cTn id="26" dur="250"/>
+                                        <p:tgtEl>
+                                          <p:spTgt spid="9"/>
+                                        </p:tgtEl>
+                                      </p:cBhvr>
+                                    </p:animEffect>
+                                  </p:childTnLst>
+                                </p:cTn>
+                              </p:par>
+                            </p:childTnLst>
+                          </p:cTn>
+                        </p:par>
+                      </p:childTnLst>
+                    </p:cTn>
+                  </p:par>
+                </p:childTnLst>
+              </p:cTn>
+              <p:prevCondLst>
+                <p:cond evt="onPrev" delay="0">
+                  <p:tgtEl>
+                    <p:sldTgt/>
+                  </p:tgtEl>
+                </p:cond>
+              </p:prevCondLst>
+              <p:nextCondLst>
+                <p:cond evt="onNext" delay="0">
+                  <p:tgtEl>
+                    <p:sldTgt/>
+                  </p:tgtEl>
+                </p:cond>
+              </p:nextCondLst>
+            </p:seq>
+          </p:childTnLst>
+        </p:cTn>
+      </p:par>
+    </p:tnLst>
+    <p:bldLst>
+      <p:bldP spid="15" grpId="0"/>
+    </p:bldLst>
+  </p:timing>
+</p:sld>
+</file>
+
+<file path=ppt/slides/slide4.xml><?xml version="1.0" encoding="utf-8"?>
+<p:sld xmlns:a="http://schemas.openxmlformats.org/drawingml/2006/main" xmlns:r="http://schemas.openxmlformats.org/officeDocument/2006/relationships" xmlns:p="http://schemas.openxmlformats.org/presentationml/2006/main">
+  <p:cSld>
+    <p:spTree>
+      <p:nvGrpSpPr>
+        <p:cNvPr id="1" name=""/>
+        <p:cNvGrpSpPr/>
+        <p:nvPr/>
+      </p:nvGrpSpPr>
+      <p:grpSpPr>
+        <a:xfrm>
+          <a:off x="0" y="0"/>
+          <a:ext cx="0" cy="0"/>
+          <a:chOff x="0" y="0"/>
+          <a:chExt cx="0" cy="0"/>
+        </a:xfrm>
+      </p:grpSpPr>
+      <p:sp>
+        <p:nvSpPr>
+          <p:cNvPr id="2" name="Title 1"/>
+          <p:cNvSpPr>
+            <a:spLocks noGrp="1"/>
+          </p:cNvSpPr>
+          <p:nvPr>
+            <p:ph type="title"/>
+          </p:nvPr>
+        </p:nvSpPr>
+        <p:spPr/>
+        <p:txBody>
+          <a:bodyPr>
+            <a:normAutofit fontScale="90000"/>
+          </a:bodyPr>
+          <a:lstStyle/>
+          <a:p>
+            <a:r>
+              <a:rPr lang="en-US" dirty="0"/>
+              <a:t>What are the attributes of a good ambassador?</a:t>
+            </a:r>
+          </a:p>
+        </p:txBody>
+      </p:sp>
+      <p:sp>
+        <p:nvSpPr>
+          <p:cNvPr id="3" name="Text Placeholder 2"/>
+          <p:cNvSpPr>
+            <a:spLocks noGrp="1"/>
+          </p:cNvSpPr>
+          <p:nvPr>
+            <p:ph type="body" sz="quarter" idx="13"/>
+          </p:nvPr>
+        </p:nvSpPr>
+        <p:spPr/>
+        <p:txBody>
+          <a:bodyPr/>
+          <a:lstStyle/>
+          <a:p>
+            <a:r>
+              <a:rPr lang="en-US" dirty="0"/>
+              <a:t>1</a:t>
+            </a:r>
+          </a:p>
+        </p:txBody>
+      </p:sp>
+    </p:spTree>
+    <p:extLst>
+      <p:ext uri="{BB962C8B-B14F-4D97-AF65-F5344CB8AC3E}">
+        <p14:creationId xmlns:p14="http://schemas.microsoft.com/office/powerpoint/2010/main" val="2446947827"/>
+      </p:ext>
+    </p:extLst>
+  </p:cSld>
+  <p:clrMapOvr>
+    <a:masterClrMapping/>
+  </p:clrMapOvr>
+</p:sld>
+</file>
+
+<file path=ppt/slides/slide5.xml><?xml version="1.0" encoding="utf-8"?>
+<p:sld xmlns:a="http://schemas.openxmlformats.org/drawingml/2006/main" xmlns:r="http://schemas.openxmlformats.org/officeDocument/2006/relationships" xmlns:p="http://schemas.openxmlformats.org/presentationml/2006/main">
+  <p:cSld>
+    <p:spTree>
+      <p:nvGrpSpPr>
+        <p:cNvPr id="1" name=""/>
+        <p:cNvGrpSpPr/>
+        <p:nvPr/>
+      </p:nvGrpSpPr>
+      <p:grpSpPr>
+        <a:xfrm>
+          <a:off x="0" y="0"/>
+          <a:ext cx="0" cy="0"/>
+          <a:chOff x="0" y="0"/>
+          <a:chExt cx="0" cy="0"/>
+        </a:xfrm>
+      </p:grpSpPr>
+      <p:sp>
+        <p:nvSpPr>
+          <p:cNvPr id="2" name="Title 1"/>
+          <p:cNvSpPr>
+            <a:spLocks noGrp="1"/>
+          </p:cNvSpPr>
+          <p:nvPr>
+            <p:ph type="title"/>
+          </p:nvPr>
+        </p:nvSpPr>
+        <p:spPr/>
+        <p:txBody>
+          <a:bodyPr>
+            <a:normAutofit fontScale="90000"/>
+          </a:bodyPr>
+          <a:lstStyle/>
+          <a:p>
+            <a:r>
+              <a:rPr lang="en-US" dirty="0"/>
+              <a:t>What is the significance of the Apostles being called “ambassadors for Christ”?</a:t>
+            </a:r>
+          </a:p>
+        </p:txBody>
+      </p:sp>
+      <p:sp>
+        <p:nvSpPr>
+          <p:cNvPr id="3" name="Text Placeholder 2"/>
+          <p:cNvSpPr>
+            <a:spLocks noGrp="1"/>
+          </p:cNvSpPr>
+          <p:nvPr>
+            <p:ph type="body" sz="quarter" idx="13"/>
+          </p:nvPr>
+        </p:nvSpPr>
+        <p:spPr/>
+        <p:txBody>
+          <a:bodyPr/>
+          <a:lstStyle/>
+          <a:p>
+            <a:r>
+              <a:rPr lang="en-US" dirty="0"/>
+              <a:t>2</a:t>
+            </a:r>
+          </a:p>
+        </p:txBody>
+      </p:sp>
+    </p:spTree>
+    <p:extLst>
+      <p:ext uri="{BB962C8B-B14F-4D97-AF65-F5344CB8AC3E}">
+        <p14:creationId xmlns:p14="http://schemas.microsoft.com/office/powerpoint/2010/main" val="955221831"/>
+      </p:ext>
+    </p:extLst>
+  </p:cSld>
+  <p:clrMapOvr>
+    <a:masterClrMapping/>
+  </p:clrMapOvr>
+</p:sld>
+</file>
+
+<file path=ppt/slides/slide6.xml><?xml version="1.0" encoding="utf-8"?>
+<p:sld xmlns:a="http://schemas.openxmlformats.org/drawingml/2006/main" xmlns:r="http://schemas.openxmlformats.org/officeDocument/2006/relationships" xmlns:p="http://schemas.openxmlformats.org/presentationml/2006/main">
+  <p:cSld>
+    <p:spTree>
+      <p:nvGrpSpPr>
+        <p:cNvPr id="1" name=""/>
+        <p:cNvGrpSpPr/>
+        <p:nvPr/>
+      </p:nvGrpSpPr>
+      <p:grpSpPr>
+        <a:xfrm>
+          <a:off x="0" y="0"/>
+          <a:ext cx="0" cy="0"/>
+          <a:chOff x="0" y="0"/>
+          <a:chExt cx="0" cy="0"/>
+        </a:xfrm>
+      </p:grpSpPr>
+      <p:sp>
+        <p:nvSpPr>
+          <p:cNvPr id="2" name="Title 1"/>
+          <p:cNvSpPr>
+            <a:spLocks noGrp="1"/>
+          </p:cNvSpPr>
+          <p:nvPr>
+            <p:ph type="title"/>
+          </p:nvPr>
+        </p:nvSpPr>
+        <p:spPr/>
+        <p:txBody>
+          <a:bodyPr>
+            <a:normAutofit fontScale="90000"/>
+          </a:bodyPr>
+          <a:lstStyle/>
+          <a:p>
+            <a:r>
+              <a:rPr lang="en-US" dirty="0"/>
+              <a:t>Consider examples of Paul being an ambassador</a:t>
+            </a:r>
+          </a:p>
+        </p:txBody>
+      </p:sp>
+      <p:sp>
+        <p:nvSpPr>
+          <p:cNvPr id="3" name="Text Placeholder 2"/>
+          <p:cNvSpPr>
+            <a:spLocks noGrp="1"/>
+          </p:cNvSpPr>
+          <p:nvPr>
+            <p:ph type="body" sz="quarter" idx="13"/>
+          </p:nvPr>
+        </p:nvSpPr>
+        <p:spPr/>
+        <p:txBody>
+          <a:bodyPr/>
+          <a:lstStyle/>
+          <a:p>
+            <a:r>
+              <a:rPr lang="en-US" dirty="0"/>
+              <a:t>3</a:t>
+            </a:r>
+          </a:p>
+        </p:txBody>
+      </p:sp>
+    </p:spTree>
+    <p:extLst>
+      <p:ext uri="{BB962C8B-B14F-4D97-AF65-F5344CB8AC3E}">
+        <p14:creationId xmlns:p14="http://schemas.microsoft.com/office/powerpoint/2010/main" val="2099043256"/>
+      </p:ext>
+    </p:extLst>
+  </p:cSld>
+  <p:clrMapOvr>
+    <a:masterClrMapping/>
+  </p:clrMapOvr>
+</p:sld>
+</file>
+
+<file path=ppt/slides/slide7.xml><?xml version="1.0" encoding="utf-8"?>
+<p:sld xmlns:a="http://schemas.openxmlformats.org/drawingml/2006/main" xmlns:r="http://schemas.openxmlformats.org/officeDocument/2006/relationships" xmlns:p="http://schemas.openxmlformats.org/presentationml/2006/main">
+  <p:cSld>
+    <p:spTree>
+      <p:nvGrpSpPr>
+        <p:cNvPr id="1" name=""/>
+        <p:cNvGrpSpPr/>
+        <p:nvPr/>
+      </p:nvGrpSpPr>
+      <p:grpSpPr>
+        <a:xfrm>
+          <a:off x="0" y="0"/>
+          <a:ext cx="0" cy="0"/>
+          <a:chOff x="0" y="0"/>
+          <a:chExt cx="0" cy="0"/>
+        </a:xfrm>
+      </p:grpSpPr>
+      <p:sp>
+        <p:nvSpPr>
+          <p:cNvPr id="2" name="Title 1"/>
+          <p:cNvSpPr>
+            <a:spLocks noGrp="1"/>
+          </p:cNvSpPr>
+          <p:nvPr>
+            <p:ph type="title"/>
+          </p:nvPr>
+        </p:nvSpPr>
+        <p:spPr/>
+        <p:txBody>
+          <a:bodyPr>
+            <a:normAutofit fontScale="90000"/>
+          </a:bodyPr>
+          <a:lstStyle/>
+          <a:p>
+            <a:r>
+              <a:rPr lang="en-US" dirty="0"/>
+              <a:t>Describe 1 Peter 3:15 in its context</a:t>
+            </a:r>
+          </a:p>
+        </p:txBody>
+      </p:sp>
+      <p:sp>
+        <p:nvSpPr>
+          <p:cNvPr id="3" name="Text Placeholder 2"/>
+          <p:cNvSpPr>
+            <a:spLocks noGrp="1"/>
+          </p:cNvSpPr>
+          <p:nvPr>
+            <p:ph type="body" sz="quarter" idx="13"/>
+          </p:nvPr>
+        </p:nvSpPr>
+        <p:spPr/>
+        <p:txBody>
+          <a:bodyPr/>
+          <a:lstStyle/>
+          <a:p>
+            <a:r>
+              <a:rPr lang="en-US" dirty="0"/>
+              <a:t>4</a:t>
+            </a:r>
+          </a:p>
+        </p:txBody>
+      </p:sp>
+    </p:spTree>
+    <p:extLst>
+      <p:ext uri="{BB962C8B-B14F-4D97-AF65-F5344CB8AC3E}">
+        <p14:creationId xmlns:p14="http://schemas.microsoft.com/office/powerpoint/2010/main" val="2339310242"/>
+      </p:ext>
+    </p:extLst>
+  </p:cSld>
+  <p:clrMapOvr>
+    <a:masterClrMapping/>
+  </p:clrMapOvr>
+</p:sld>
+</file>
+
+<file path=ppt/slides/slide8.xml><?xml version="1.0" encoding="utf-8"?>
+<p:sld xmlns:a="http://schemas.openxmlformats.org/drawingml/2006/main" xmlns:r="http://schemas.openxmlformats.org/officeDocument/2006/relationships" xmlns:p="http://schemas.openxmlformats.org/presentationml/2006/main">
+  <p:cSld>
+    <p:spTree>
+      <p:nvGrpSpPr>
+        <p:cNvPr id="1" name=""/>
+        <p:cNvGrpSpPr/>
+        <p:nvPr/>
+      </p:nvGrpSpPr>
+      <p:grpSpPr>
+        <a:xfrm>
+          <a:off x="0" y="0"/>
+          <a:ext cx="0" cy="0"/>
+          <a:chOff x="0" y="0"/>
+          <a:chExt cx="0" cy="0"/>
+        </a:xfrm>
+      </p:grpSpPr>
+      <p:sp>
+        <p:nvSpPr>
+          <p:cNvPr id="2" name="Title 1"/>
+          <p:cNvSpPr>
+            <a:spLocks noGrp="1"/>
+          </p:cNvSpPr>
+          <p:nvPr>
+            <p:ph type="title"/>
+          </p:nvPr>
+        </p:nvSpPr>
+        <p:spPr/>
+        <p:txBody>
+          <a:bodyPr>
+            <a:normAutofit fontScale="90000"/>
+          </a:bodyPr>
+          <a:lstStyle/>
+          <a:p>
+            <a:r>
+              <a:rPr lang="en-US" dirty="0"/>
+              <a:t>Consider examples from Jesus’ life that illustrate him being an ambassador</a:t>
+            </a:r>
+          </a:p>
+        </p:txBody>
+      </p:sp>
+      <p:sp>
+        <p:nvSpPr>
+          <p:cNvPr id="3" name="Text Placeholder 2"/>
+          <p:cNvSpPr>
+            <a:spLocks noGrp="1"/>
+          </p:cNvSpPr>
+          <p:nvPr>
+            <p:ph type="body" sz="quarter" idx="13"/>
+          </p:nvPr>
+        </p:nvSpPr>
+        <p:spPr/>
+        <p:txBody>
+          <a:bodyPr/>
+          <a:lstStyle/>
+          <a:p>
+            <a:r>
+              <a:rPr lang="en-US" dirty="0"/>
+              <a:t>5</a:t>
+            </a:r>
+          </a:p>
+        </p:txBody>
+      </p:sp>
+    </p:spTree>
+    <p:extLst>
+      <p:ext uri="{BB962C8B-B14F-4D97-AF65-F5344CB8AC3E}">
+        <p14:creationId xmlns:p14="http://schemas.microsoft.com/office/powerpoint/2010/main" val="769338172"/>
+      </p:ext>
+    </p:extLst>
+  </p:cSld>
+  <p:clrMapOvr>
+    <a:masterClrMapping/>
+  </p:clrMapOvr>
+</p:sld>
+</file>
+
 <file path=ppt/slides/slide9.xml><?xml version="1.0" encoding="utf-8"?>
 <p:sld xmlns:a="http://schemas.openxmlformats.org/drawingml/2006/main" xmlns:r="http://schemas.openxmlformats.org/officeDocument/2006/relationships" xmlns:p="http://schemas.openxmlformats.org/presentationml/2006/main">
   <p:cSld>
@@ -6007,13 +8622,13 @@
         <p:spPr/>
         <p:txBody>
           <a:bodyPr>
-            <a:normAutofit/>
+            <a:normAutofit fontScale="90000"/>
           </a:bodyPr>
           <a:lstStyle/>
           <a:p>
             <a:r>
               <a:rPr lang="en-US" dirty="0"/>
-              <a:t>List some things that Christians can do that get in the way of others becoming disciples?</a:t>
+              <a:t>What are some other examples of people who built bridges to others?</a:t>
             </a:r>
           </a:p>
         </p:txBody>
@@ -6035,7 +8650,7 @@
           <a:p>
             <a:r>
               <a:rPr lang="en-US" dirty="0"/>
-              <a:t>7</a:t>
+              <a:t>6</a:t>
             </a:r>
           </a:p>
         </p:txBody>
@@ -6043,7 +8658,7 @@
     </p:spTree>
     <p:extLst>
       <p:ext uri="{BB962C8B-B14F-4D97-AF65-F5344CB8AC3E}">
-        <p14:creationId xmlns:p14="http://schemas.microsoft.com/office/powerpoint/2010/main" val="1617209977"/>
+        <p14:creationId xmlns:p14="http://schemas.microsoft.com/office/powerpoint/2010/main" val="205851599"/>
       </p:ext>
     </p:extLst>
   </p:cSld>

--- a/companion-website/public/files/3. Ambassadors for Christ.pptx
+++ b/companion-website/public/files/3. Ambassadors for Christ.pptx
@@ -5,7 +5,7 @@
     <p:sldMasterId id="2147483648" r:id="rId1"/>
   </p:sldMasterIdLst>
   <p:notesMasterIdLst>
-    <p:notesMasterId r:id="rId14"/>
+    <p:notesMasterId r:id="rId16"/>
   </p:notesMasterIdLst>
   <p:sldIdLst>
     <p:sldId id="275" r:id="rId2"/>
@@ -15,11 +15,13 @@
     <p:sldId id="445" r:id="rId6"/>
     <p:sldId id="446" r:id="rId7"/>
     <p:sldId id="447" r:id="rId8"/>
-    <p:sldId id="448" r:id="rId9"/>
-    <p:sldId id="449" r:id="rId10"/>
-    <p:sldId id="444" r:id="rId11"/>
-    <p:sldId id="450" r:id="rId12"/>
-    <p:sldId id="462" r:id="rId13"/>
+    <p:sldId id="439" r:id="rId9"/>
+    <p:sldId id="463" r:id="rId10"/>
+    <p:sldId id="448" r:id="rId11"/>
+    <p:sldId id="449" r:id="rId12"/>
+    <p:sldId id="444" r:id="rId13"/>
+    <p:sldId id="450" r:id="rId14"/>
+    <p:sldId id="462" r:id="rId15"/>
   </p:sldIdLst>
   <p:sldSz cx="9144000" cy="6858000" type="screen4x3"/>
   <p:notesSz cx="6858000" cy="9144000"/>
@@ -219,7 +221,7 @@
           <a:p>
             <a:fld id="{8F7EB338-8BB0-B64B-9F79-C87EA24D723F}" type="datetimeFigureOut">
               <a:rPr lang="en-US" smtClean="0"/>
-              <a:t>10/10/2020</a:t>
+              <a:t>10/12/20</a:t>
             </a:fld>
             <a:endParaRPr lang="en-US"/>
           </a:p>
@@ -719,7 +721,7 @@
           <a:p>
             <a:fld id="{0A2C3B37-55FA-284F-9E83-751B4EA6E9B4}" type="slidenum">
               <a:rPr lang="en-US" smtClean="0"/>
-              <a:t>12</a:t>
+              <a:t>14</a:t>
             </a:fld>
             <a:endParaRPr lang="en-US"/>
           </a:p>
@@ -922,7 +924,7 @@
             <a:fld id="{DBE77699-C466-4996-ADED-71C8160E04A2}" type="datetimeFigureOut">
               <a:rPr lang="en-US" smtClean="0"/>
               <a:pPr/>
-              <a:t>10/10/2020</a:t>
+              <a:t>10/12/20</a:t>
             </a:fld>
             <a:endParaRPr lang="en-US"/>
           </a:p>
@@ -1087,7 +1089,7 @@
             <a:fld id="{DBE77699-C466-4996-ADED-71C8160E04A2}" type="datetimeFigureOut">
               <a:rPr lang="en-US" smtClean="0"/>
               <a:pPr/>
-              <a:t>10/10/2020</a:t>
+              <a:t>10/12/20</a:t>
             </a:fld>
             <a:endParaRPr lang="en-US"/>
           </a:p>
@@ -1262,7 +1264,7 @@
             <a:fld id="{DBE77699-C466-4996-ADED-71C8160E04A2}" type="datetimeFigureOut">
               <a:rPr lang="en-US" smtClean="0"/>
               <a:pPr/>
-              <a:t>10/10/2020</a:t>
+              <a:t>10/12/20</a:t>
             </a:fld>
             <a:endParaRPr lang="en-US"/>
           </a:p>
@@ -1381,7 +1383,7 @@
             <a:fld id="{DBE77699-C466-4996-ADED-71C8160E04A2}" type="datetimeFigureOut">
               <a:rPr lang="en-US" smtClean="0"/>
               <a:pPr/>
-              <a:t>10/10/2020</a:t>
+              <a:t>10/12/20</a:t>
             </a:fld>
             <a:endParaRPr lang="en-US"/>
           </a:p>
@@ -1803,7 +1805,7 @@
             <a:fld id="{DBE77699-C466-4996-ADED-71C8160E04A2}" type="datetimeFigureOut">
               <a:rPr lang="en-US" smtClean="0"/>
               <a:pPr/>
-              <a:t>10/10/2020</a:t>
+              <a:t>10/12/20</a:t>
             </a:fld>
             <a:endParaRPr lang="en-US"/>
           </a:p>
@@ -2012,7 +2014,7 @@
             <a:fld id="{DBE77699-C466-4996-ADED-71C8160E04A2}" type="datetimeFigureOut">
               <a:rPr lang="en-US" smtClean="0"/>
               <a:pPr/>
-              <a:t>10/10/2020</a:t>
+              <a:t>10/12/20</a:t>
             </a:fld>
             <a:endParaRPr lang="en-US"/>
           </a:p>
@@ -2254,7 +2256,7 @@
             <a:fld id="{DBE77699-C466-4996-ADED-71C8160E04A2}" type="datetimeFigureOut">
               <a:rPr lang="en-US" smtClean="0"/>
               <a:pPr/>
-              <a:t>10/10/2020</a:t>
+              <a:t>10/12/20</a:t>
             </a:fld>
             <a:endParaRPr lang="en-US"/>
           </a:p>
@@ -2536,7 +2538,7 @@
             <a:fld id="{DBE77699-C466-4996-ADED-71C8160E04A2}" type="datetimeFigureOut">
               <a:rPr lang="en-US" smtClean="0"/>
               <a:pPr/>
-              <a:t>10/10/2020</a:t>
+              <a:t>10/12/20</a:t>
             </a:fld>
             <a:endParaRPr lang="en-US"/>
           </a:p>
@@ -2952,7 +2954,7 @@
             <a:fld id="{DBE77699-C466-4996-ADED-71C8160E04A2}" type="datetimeFigureOut">
               <a:rPr lang="en-US" smtClean="0"/>
               <a:pPr/>
-              <a:t>10/10/2020</a:t>
+              <a:t>10/12/20</a:t>
             </a:fld>
             <a:endParaRPr lang="en-US"/>
           </a:p>
@@ -3066,7 +3068,7 @@
             <a:fld id="{DBE77699-C466-4996-ADED-71C8160E04A2}" type="datetimeFigureOut">
               <a:rPr lang="en-US" smtClean="0"/>
               <a:pPr/>
-              <a:t>10/10/2020</a:t>
+              <a:t>10/12/20</a:t>
             </a:fld>
             <a:endParaRPr lang="en-US"/>
           </a:p>
@@ -3158,7 +3160,7 @@
             <a:fld id="{DBE77699-C466-4996-ADED-71C8160E04A2}" type="datetimeFigureOut">
               <a:rPr lang="en-US" smtClean="0"/>
               <a:pPr/>
-              <a:t>10/10/2020</a:t>
+              <a:t>10/12/20</a:t>
             </a:fld>
             <a:endParaRPr lang="en-US"/>
           </a:p>
@@ -3430,7 +3432,7 @@
             <a:fld id="{DBE77699-C466-4996-ADED-71C8160E04A2}" type="datetimeFigureOut">
               <a:rPr lang="en-US" smtClean="0"/>
               <a:pPr/>
-              <a:t>10/10/2020</a:t>
+              <a:t>10/12/20</a:t>
             </a:fld>
             <a:endParaRPr lang="en-US"/>
           </a:p>
@@ -3679,7 +3681,7 @@
             <a:fld id="{DBE77699-C466-4996-ADED-71C8160E04A2}" type="datetimeFigureOut">
               <a:rPr lang="en-US" smtClean="0"/>
               <a:pPr/>
-              <a:t>10/10/2020</a:t>
+              <a:t>10/12/20</a:t>
             </a:fld>
             <a:endParaRPr lang="en-US"/>
           </a:p>
@@ -3890,7 +3892,7 @@
             <a:fld id="{DBE77699-C466-4996-ADED-71C8160E04A2}" type="datetimeFigureOut">
               <a:rPr lang="en-US" smtClean="0"/>
               <a:pPr/>
-              <a:t>10/10/2020</a:t>
+              <a:t>10/12/20</a:t>
             </a:fld>
             <a:endParaRPr lang="en-US"/>
           </a:p>
@@ -5288,6 +5290,158 @@
 </file>
 
 <file path=ppt/slides/slide10.xml><?xml version="1.0" encoding="utf-8"?>
+<p:sld xmlns:a="http://schemas.openxmlformats.org/drawingml/2006/main" xmlns:r="http://schemas.openxmlformats.org/officeDocument/2006/relationships" xmlns:p="http://schemas.openxmlformats.org/presentationml/2006/main">
+  <p:cSld>
+    <p:spTree>
+      <p:nvGrpSpPr>
+        <p:cNvPr id="1" name=""/>
+        <p:cNvGrpSpPr/>
+        <p:nvPr/>
+      </p:nvGrpSpPr>
+      <p:grpSpPr>
+        <a:xfrm>
+          <a:off x="0" y="0"/>
+          <a:ext cx="0" cy="0"/>
+          <a:chOff x="0" y="0"/>
+          <a:chExt cx="0" cy="0"/>
+        </a:xfrm>
+      </p:grpSpPr>
+      <p:sp>
+        <p:nvSpPr>
+          <p:cNvPr id="2" name="Title 1"/>
+          <p:cNvSpPr>
+            <a:spLocks noGrp="1"/>
+          </p:cNvSpPr>
+          <p:nvPr>
+            <p:ph type="title"/>
+          </p:nvPr>
+        </p:nvSpPr>
+        <p:spPr/>
+        <p:txBody>
+          <a:bodyPr>
+            <a:normAutofit fontScale="90000"/>
+          </a:bodyPr>
+          <a:lstStyle/>
+          <a:p>
+            <a:r>
+              <a:rPr lang="en-US" dirty="0"/>
+              <a:t>Consider examples from Jesus’ life that illustrate him being an ambassador</a:t>
+            </a:r>
+          </a:p>
+        </p:txBody>
+      </p:sp>
+      <p:sp>
+        <p:nvSpPr>
+          <p:cNvPr id="3" name="Text Placeholder 2"/>
+          <p:cNvSpPr>
+            <a:spLocks noGrp="1"/>
+          </p:cNvSpPr>
+          <p:nvPr>
+            <p:ph type="body" sz="quarter" idx="13"/>
+          </p:nvPr>
+        </p:nvSpPr>
+        <p:spPr/>
+        <p:txBody>
+          <a:bodyPr/>
+          <a:lstStyle/>
+          <a:p>
+            <a:r>
+              <a:rPr lang="en-US" dirty="0"/>
+              <a:t>5</a:t>
+            </a:r>
+          </a:p>
+        </p:txBody>
+      </p:sp>
+    </p:spTree>
+    <p:extLst>
+      <p:ext uri="{BB962C8B-B14F-4D97-AF65-F5344CB8AC3E}">
+        <p14:creationId xmlns:p14="http://schemas.microsoft.com/office/powerpoint/2010/main" val="769338172"/>
+      </p:ext>
+    </p:extLst>
+  </p:cSld>
+  <p:clrMapOvr>
+    <a:masterClrMapping/>
+  </p:clrMapOvr>
+</p:sld>
+</file>
+
+<file path=ppt/slides/slide11.xml><?xml version="1.0" encoding="utf-8"?>
+<p:sld xmlns:a="http://schemas.openxmlformats.org/drawingml/2006/main" xmlns:r="http://schemas.openxmlformats.org/officeDocument/2006/relationships" xmlns:p="http://schemas.openxmlformats.org/presentationml/2006/main">
+  <p:cSld>
+    <p:spTree>
+      <p:nvGrpSpPr>
+        <p:cNvPr id="1" name=""/>
+        <p:cNvGrpSpPr/>
+        <p:nvPr/>
+      </p:nvGrpSpPr>
+      <p:grpSpPr>
+        <a:xfrm>
+          <a:off x="0" y="0"/>
+          <a:ext cx="0" cy="0"/>
+          <a:chOff x="0" y="0"/>
+          <a:chExt cx="0" cy="0"/>
+        </a:xfrm>
+      </p:grpSpPr>
+      <p:sp>
+        <p:nvSpPr>
+          <p:cNvPr id="2" name="Title 1"/>
+          <p:cNvSpPr>
+            <a:spLocks noGrp="1"/>
+          </p:cNvSpPr>
+          <p:nvPr>
+            <p:ph type="title"/>
+          </p:nvPr>
+        </p:nvSpPr>
+        <p:spPr/>
+        <p:txBody>
+          <a:bodyPr>
+            <a:normAutofit fontScale="90000"/>
+          </a:bodyPr>
+          <a:lstStyle/>
+          <a:p>
+            <a:r>
+              <a:rPr lang="en-US" dirty="0"/>
+              <a:t>What are some other examples of people who built bridges to others?</a:t>
+            </a:r>
+          </a:p>
+        </p:txBody>
+      </p:sp>
+      <p:sp>
+        <p:nvSpPr>
+          <p:cNvPr id="3" name="Text Placeholder 2"/>
+          <p:cNvSpPr>
+            <a:spLocks noGrp="1"/>
+          </p:cNvSpPr>
+          <p:nvPr>
+            <p:ph type="body" sz="quarter" idx="13"/>
+          </p:nvPr>
+        </p:nvSpPr>
+        <p:spPr/>
+        <p:txBody>
+          <a:bodyPr/>
+          <a:lstStyle/>
+          <a:p>
+            <a:r>
+              <a:rPr lang="en-US" dirty="0"/>
+              <a:t>6</a:t>
+            </a:r>
+          </a:p>
+        </p:txBody>
+      </p:sp>
+    </p:spTree>
+    <p:extLst>
+      <p:ext uri="{BB962C8B-B14F-4D97-AF65-F5344CB8AC3E}">
+        <p14:creationId xmlns:p14="http://schemas.microsoft.com/office/powerpoint/2010/main" val="205851599"/>
+      </p:ext>
+    </p:extLst>
+  </p:cSld>
+  <p:clrMapOvr>
+    <a:masterClrMapping/>
+  </p:clrMapOvr>
+</p:sld>
+</file>
+
+<file path=ppt/slides/slide12.xml><?xml version="1.0" encoding="utf-8"?>
 <p:sld xmlns:a="http://schemas.openxmlformats.org/drawingml/2006/main" xmlns:r="http://schemas.openxmlformats.org/officeDocument/2006/relationships" xmlns:p="http://schemas.openxmlformats.org/presentationml/2006/main">
   <p:cSld>
     <p:spTree>
@@ -5916,7 +6070,7 @@
 </p:sld>
 </file>
 
-<file path=ppt/slides/slide11.xml><?xml version="1.0" encoding="utf-8"?>
+<file path=ppt/slides/slide13.xml><?xml version="1.0" encoding="utf-8"?>
 <p:sld xmlns:a="http://schemas.openxmlformats.org/drawingml/2006/main" xmlns:r="http://schemas.openxmlformats.org/officeDocument/2006/relationships" xmlns:p="http://schemas.openxmlformats.org/presentationml/2006/main">
   <p:cSld>
     <p:spTree>
@@ -5992,7 +6146,7 @@
 </p:sld>
 </file>
 
-<file path=ppt/slides/slide12.xml><?xml version="1.0" encoding="utf-8"?>
+<file path=ppt/slides/slide14.xml><?xml version="1.0" encoding="utf-8"?>
 <p:sld xmlns:a="http://schemas.openxmlformats.org/drawingml/2006/main" xmlns:r="http://schemas.openxmlformats.org/officeDocument/2006/relationships" xmlns:p="http://schemas.openxmlformats.org/presentationml/2006/main">
   <p:cSld>
     <p:spTree>
@@ -8535,7 +8689,13 @@
       </p:grpSpPr>
       <p:sp>
         <p:nvSpPr>
-          <p:cNvPr id="2" name="Title 1"/>
+          <p:cNvPr id="2" name="Title 1">
+            <a:extLst>
+              <a:ext uri="{FF2B5EF4-FFF2-40B4-BE49-F238E27FC236}">
+                <a16:creationId xmlns:a16="http://schemas.microsoft.com/office/drawing/2014/main" id="{C8F392D1-A4F5-744A-9239-99BC6612F901}"/>
+              </a:ext>
+            </a:extLst>
+          </p:cNvPr>
           <p:cNvSpPr>
             <a:spLocks noGrp="1"/>
           </p:cNvSpPr>
@@ -8543,23 +8703,51 @@
             <p:ph type="title"/>
           </p:nvPr>
         </p:nvSpPr>
-        <p:spPr/>
-        <p:txBody>
-          <a:bodyPr>
-            <a:normAutofit fontScale="90000"/>
+        <p:spPr>
+          <a:xfrm>
+            <a:off x="457200" y="152400"/>
+            <a:ext cx="8686800" cy="3962400"/>
+          </a:xfrm>
+        </p:spPr>
+        <p:txBody>
+          <a:bodyPr anchor="b" anchorCtr="0">
+            <a:noAutofit/>
           </a:bodyPr>
           <a:lstStyle/>
           <a:p>
-            <a:r>
-              <a:rPr lang="en-US" dirty="0"/>
-              <a:t>Consider examples from Jesus’ life that illustrate him being an ambassador</a:t>
-            </a:r>
-          </a:p>
-        </p:txBody>
-      </p:sp>
-      <p:sp>
-        <p:nvSpPr>
-          <p:cNvPr id="3" name="Text Placeholder 2"/>
+            <a:pPr>
+              <a:tabLst>
+                <a:tab pos="91440" algn="l"/>
+              </a:tabLst>
+            </a:pPr>
+            <a:r>
+              <a:rPr lang="en-US" sz="3600" dirty="0"/>
+              <a:t>“But set Christ apart as Lord in your hearts and always </a:t>
+            </a:r>
+            <a:r>
+              <a:rPr lang="en-US" sz="7200" b="1" dirty="0">
+                <a:highlight>
+                  <a:srgbClr val="C00002"/>
+                </a:highlight>
+              </a:rPr>
+              <a:t>be ready to give an answer</a:t>
+            </a:r>
+            <a:r>
+              <a:rPr lang="en-US" sz="3600" dirty="0"/>
+              <a:t> to anyone who asks about the hope you possess.”</a:t>
+            </a:r>
+          </a:p>
+        </p:txBody>
+      </p:sp>
+      <p:sp>
+        <p:nvSpPr>
+          <p:cNvPr id="3" name="Text Placeholder 2">
+            <a:extLst>
+              <a:ext uri="{FF2B5EF4-FFF2-40B4-BE49-F238E27FC236}">
+                <a16:creationId xmlns:a16="http://schemas.microsoft.com/office/drawing/2014/main" id="{D79591E0-89A3-7048-B1C5-91B4FFFB65C9}"/>
+              </a:ext>
+            </a:extLst>
+          </p:cNvPr>
           <p:cNvSpPr>
             <a:spLocks noGrp="1"/>
           </p:cNvSpPr>
@@ -8567,22 +8755,39 @@
             <p:ph type="body" sz="quarter" idx="13"/>
           </p:nvPr>
         </p:nvSpPr>
-        <p:spPr/>
-        <p:txBody>
-          <a:bodyPr/>
+        <p:spPr>
+          <a:xfrm>
+            <a:off x="114300" y="4495800"/>
+            <a:ext cx="8915400" cy="1371600"/>
+          </a:xfrm>
+        </p:spPr>
+        <p:txBody>
+          <a:bodyPr>
+            <a:normAutofit/>
+          </a:bodyPr>
           <a:lstStyle/>
           <a:p>
-            <a:r>
-              <a:rPr lang="en-US" dirty="0"/>
-              <a:t>5</a:t>
-            </a:r>
+            <a:pPr algn="l"/>
+            <a:r>
+              <a:rPr lang="en-US" sz="4400" cap="all" dirty="0">
+                <a:solidFill>
+                  <a:srgbClr val="009EC0"/>
+                </a:solidFill>
+              </a:rPr>
+              <a:t>1 Peter 3:15</a:t>
+            </a:r>
+            <a:endParaRPr lang="en-US" sz="4400" b="0" i="1" dirty="0">
+              <a:solidFill>
+                <a:srgbClr val="009EC0"/>
+              </a:solidFill>
+            </a:endParaRPr>
           </a:p>
         </p:txBody>
       </p:sp>
     </p:spTree>
     <p:extLst>
       <p:ext uri="{BB962C8B-B14F-4D97-AF65-F5344CB8AC3E}">
-        <p14:creationId xmlns:p14="http://schemas.microsoft.com/office/powerpoint/2010/main" val="769338172"/>
+        <p14:creationId xmlns:p14="http://schemas.microsoft.com/office/powerpoint/2010/main" val="4185182419"/>
       </p:ext>
     </p:extLst>
   </p:cSld>
@@ -8611,7 +8816,13 @@
       </p:grpSpPr>
       <p:sp>
         <p:nvSpPr>
-          <p:cNvPr id="2" name="Title 1"/>
+          <p:cNvPr id="2" name="Title 1">
+            <a:extLst>
+              <a:ext uri="{FF2B5EF4-FFF2-40B4-BE49-F238E27FC236}">
+                <a16:creationId xmlns:a16="http://schemas.microsoft.com/office/drawing/2014/main" id="{C8F392D1-A4F5-744A-9239-99BC6612F901}"/>
+              </a:ext>
+            </a:extLst>
+          </p:cNvPr>
           <p:cNvSpPr>
             <a:spLocks noGrp="1"/>
           </p:cNvSpPr>
@@ -8619,23 +8830,71 @@
             <p:ph type="title"/>
           </p:nvPr>
         </p:nvSpPr>
-        <p:spPr/>
-        <p:txBody>
-          <a:bodyPr>
-            <a:normAutofit fontScale="90000"/>
+        <p:spPr>
+          <a:xfrm>
+            <a:off x="457200" y="152400"/>
+            <a:ext cx="8686800" cy="3962400"/>
+          </a:xfrm>
+        </p:spPr>
+        <p:txBody>
+          <a:bodyPr anchor="b" anchorCtr="0">
+            <a:noAutofit/>
           </a:bodyPr>
           <a:lstStyle/>
           <a:p>
-            <a:r>
-              <a:rPr lang="en-US" dirty="0"/>
-              <a:t>What are some other examples of people who built bridges to others?</a:t>
-            </a:r>
-          </a:p>
-        </p:txBody>
-      </p:sp>
-      <p:sp>
-        <p:nvSpPr>
-          <p:cNvPr id="3" name="Text Placeholder 2"/>
+            <a:pPr>
+              <a:tabLst>
+                <a:tab pos="91440" algn="l"/>
+              </a:tabLst>
+            </a:pPr>
+            <a:r>
+              <a:rPr lang="en-US" sz="3600" dirty="0"/>
+              <a:t>“Yet do it with </a:t>
+            </a:r>
+            <a:r>
+              <a:rPr lang="en-US" sz="3600" b="1" dirty="0">
+                <a:highlight>
+                  <a:srgbClr val="C00002"/>
+                </a:highlight>
+              </a:rPr>
+              <a:t>courtesy and respect</a:t>
+            </a:r>
+            <a:r>
+              <a:rPr lang="en-US" sz="3600" dirty="0"/>
+              <a:t>, keeping a good conscience, so that those who slander </a:t>
+            </a:r>
+            <a:r>
+              <a:rPr lang="en-US" sz="3600" b="1" dirty="0">
+                <a:highlight>
+                  <a:srgbClr val="C00002"/>
+                </a:highlight>
+              </a:rPr>
+              <a:t>your good conduct </a:t>
+            </a:r>
+            <a:r>
+              <a:rPr lang="en-US" sz="3600" b="1" u="sng" dirty="0">
+                <a:highlight>
+                  <a:srgbClr val="C00002"/>
+                </a:highlight>
+              </a:rPr>
+              <a:t>in Christ</a:t>
+            </a:r>
+            <a:r>
+              <a:rPr lang="en-US" sz="3600" dirty="0"/>
+              <a:t> may be put to shame when they accuse you.”</a:t>
+            </a:r>
+          </a:p>
+        </p:txBody>
+      </p:sp>
+      <p:sp>
+        <p:nvSpPr>
+          <p:cNvPr id="3" name="Text Placeholder 2">
+            <a:extLst>
+              <a:ext uri="{FF2B5EF4-FFF2-40B4-BE49-F238E27FC236}">
+                <a16:creationId xmlns:a16="http://schemas.microsoft.com/office/drawing/2014/main" id="{D79591E0-89A3-7048-B1C5-91B4FFFB65C9}"/>
+              </a:ext>
+            </a:extLst>
+          </p:cNvPr>
           <p:cNvSpPr>
             <a:spLocks noGrp="1"/>
           </p:cNvSpPr>
@@ -8643,22 +8902,39 @@
             <p:ph type="body" sz="quarter" idx="13"/>
           </p:nvPr>
         </p:nvSpPr>
-        <p:spPr/>
-        <p:txBody>
-          <a:bodyPr/>
+        <p:spPr>
+          <a:xfrm>
+            <a:off x="114300" y="4495800"/>
+            <a:ext cx="8915400" cy="1371600"/>
+          </a:xfrm>
+        </p:spPr>
+        <p:txBody>
+          <a:bodyPr>
+            <a:normAutofit/>
+          </a:bodyPr>
           <a:lstStyle/>
           <a:p>
-            <a:r>
-              <a:rPr lang="en-US" dirty="0"/>
-              <a:t>6</a:t>
-            </a:r>
+            <a:pPr algn="l"/>
+            <a:r>
+              <a:rPr lang="en-US" sz="4400" cap="all" dirty="0">
+                <a:solidFill>
+                  <a:srgbClr val="009EC0"/>
+                </a:solidFill>
+              </a:rPr>
+              <a:t>1 Peter 3:16</a:t>
+            </a:r>
+            <a:endParaRPr lang="en-US" sz="4400" b="0" i="1" dirty="0">
+              <a:solidFill>
+                <a:srgbClr val="009EC0"/>
+              </a:solidFill>
+            </a:endParaRPr>
           </a:p>
         </p:txBody>
       </p:sp>
     </p:spTree>
     <p:extLst>
       <p:ext uri="{BB962C8B-B14F-4D97-AF65-F5344CB8AC3E}">
-        <p14:creationId xmlns:p14="http://schemas.microsoft.com/office/powerpoint/2010/main" val="205851599"/>
+        <p14:creationId xmlns:p14="http://schemas.microsoft.com/office/powerpoint/2010/main" val="3185922425"/>
       </p:ext>
     </p:extLst>
   </p:cSld>

--- a/companion-website/public/files/3. Ambassadors for Christ.pptx
+++ b/companion-website/public/files/3. Ambassadors for Christ.pptx
@@ -5,7 +5,7 @@
     <p:sldMasterId id="2147483648" r:id="rId1"/>
   </p:sldMasterIdLst>
   <p:notesMasterIdLst>
-    <p:notesMasterId r:id="rId16"/>
+    <p:notesMasterId r:id="rId17"/>
   </p:notesMasterIdLst>
   <p:sldIdLst>
     <p:sldId id="275" r:id="rId2"/>
@@ -17,11 +17,12 @@
     <p:sldId id="447" r:id="rId8"/>
     <p:sldId id="439" r:id="rId9"/>
     <p:sldId id="463" r:id="rId10"/>
-    <p:sldId id="448" r:id="rId11"/>
-    <p:sldId id="449" r:id="rId12"/>
-    <p:sldId id="444" r:id="rId13"/>
-    <p:sldId id="450" r:id="rId14"/>
-    <p:sldId id="462" r:id="rId15"/>
+    <p:sldId id="464" r:id="rId11"/>
+    <p:sldId id="448" r:id="rId12"/>
+    <p:sldId id="449" r:id="rId13"/>
+    <p:sldId id="444" r:id="rId14"/>
+    <p:sldId id="450" r:id="rId15"/>
+    <p:sldId id="462" r:id="rId16"/>
   </p:sldIdLst>
   <p:sldSz cx="9144000" cy="6858000" type="screen4x3"/>
   <p:notesSz cx="6858000" cy="9144000"/>
@@ -221,7 +222,7 @@
           <a:p>
             <a:fld id="{8F7EB338-8BB0-B64B-9F79-C87EA24D723F}" type="datetimeFigureOut">
               <a:rPr lang="en-US" smtClean="0"/>
-              <a:t>10/12/20</a:t>
+              <a:t>10/13/20</a:t>
             </a:fld>
             <a:endParaRPr lang="en-US"/>
           </a:p>
@@ -721,7 +722,7 @@
           <a:p>
             <a:fld id="{0A2C3B37-55FA-284F-9E83-751B4EA6E9B4}" type="slidenum">
               <a:rPr lang="en-US" smtClean="0"/>
-              <a:t>14</a:t>
+              <a:t>15</a:t>
             </a:fld>
             <a:endParaRPr lang="en-US"/>
           </a:p>
@@ -924,7 +925,7 @@
             <a:fld id="{DBE77699-C466-4996-ADED-71C8160E04A2}" type="datetimeFigureOut">
               <a:rPr lang="en-US" smtClean="0"/>
               <a:pPr/>
-              <a:t>10/12/20</a:t>
+              <a:t>10/13/20</a:t>
             </a:fld>
             <a:endParaRPr lang="en-US"/>
           </a:p>
@@ -1089,7 +1090,7 @@
             <a:fld id="{DBE77699-C466-4996-ADED-71C8160E04A2}" type="datetimeFigureOut">
               <a:rPr lang="en-US" smtClean="0"/>
               <a:pPr/>
-              <a:t>10/12/20</a:t>
+              <a:t>10/13/20</a:t>
             </a:fld>
             <a:endParaRPr lang="en-US"/>
           </a:p>
@@ -1264,7 +1265,7 @@
             <a:fld id="{DBE77699-C466-4996-ADED-71C8160E04A2}" type="datetimeFigureOut">
               <a:rPr lang="en-US" smtClean="0"/>
               <a:pPr/>
-              <a:t>10/12/20</a:t>
+              <a:t>10/13/20</a:t>
             </a:fld>
             <a:endParaRPr lang="en-US"/>
           </a:p>
@@ -1383,7 +1384,7 @@
             <a:fld id="{DBE77699-C466-4996-ADED-71C8160E04A2}" type="datetimeFigureOut">
               <a:rPr lang="en-US" smtClean="0"/>
               <a:pPr/>
-              <a:t>10/12/20</a:t>
+              <a:t>10/13/20</a:t>
             </a:fld>
             <a:endParaRPr lang="en-US"/>
           </a:p>
@@ -1805,7 +1806,7 @@
             <a:fld id="{DBE77699-C466-4996-ADED-71C8160E04A2}" type="datetimeFigureOut">
               <a:rPr lang="en-US" smtClean="0"/>
               <a:pPr/>
-              <a:t>10/12/20</a:t>
+              <a:t>10/13/20</a:t>
             </a:fld>
             <a:endParaRPr lang="en-US"/>
           </a:p>
@@ -2014,7 +2015,7 @@
             <a:fld id="{DBE77699-C466-4996-ADED-71C8160E04A2}" type="datetimeFigureOut">
               <a:rPr lang="en-US" smtClean="0"/>
               <a:pPr/>
-              <a:t>10/12/20</a:t>
+              <a:t>10/13/20</a:t>
             </a:fld>
             <a:endParaRPr lang="en-US"/>
           </a:p>
@@ -2256,7 +2257,7 @@
             <a:fld id="{DBE77699-C466-4996-ADED-71C8160E04A2}" type="datetimeFigureOut">
               <a:rPr lang="en-US" smtClean="0"/>
               <a:pPr/>
-              <a:t>10/12/20</a:t>
+              <a:t>10/13/20</a:t>
             </a:fld>
             <a:endParaRPr lang="en-US"/>
           </a:p>
@@ -2538,7 +2539,7 @@
             <a:fld id="{DBE77699-C466-4996-ADED-71C8160E04A2}" type="datetimeFigureOut">
               <a:rPr lang="en-US" smtClean="0"/>
               <a:pPr/>
-              <a:t>10/12/20</a:t>
+              <a:t>10/13/20</a:t>
             </a:fld>
             <a:endParaRPr lang="en-US"/>
           </a:p>
@@ -2954,7 +2955,7 @@
             <a:fld id="{DBE77699-C466-4996-ADED-71C8160E04A2}" type="datetimeFigureOut">
               <a:rPr lang="en-US" smtClean="0"/>
               <a:pPr/>
-              <a:t>10/12/20</a:t>
+              <a:t>10/13/20</a:t>
             </a:fld>
             <a:endParaRPr lang="en-US"/>
           </a:p>
@@ -3068,7 +3069,7 @@
             <a:fld id="{DBE77699-C466-4996-ADED-71C8160E04A2}" type="datetimeFigureOut">
               <a:rPr lang="en-US" smtClean="0"/>
               <a:pPr/>
-              <a:t>10/12/20</a:t>
+              <a:t>10/13/20</a:t>
             </a:fld>
             <a:endParaRPr lang="en-US"/>
           </a:p>
@@ -3160,7 +3161,7 @@
             <a:fld id="{DBE77699-C466-4996-ADED-71C8160E04A2}" type="datetimeFigureOut">
               <a:rPr lang="en-US" smtClean="0"/>
               <a:pPr/>
-              <a:t>10/12/20</a:t>
+              <a:t>10/13/20</a:t>
             </a:fld>
             <a:endParaRPr lang="en-US"/>
           </a:p>
@@ -3432,7 +3433,7 @@
             <a:fld id="{DBE77699-C466-4996-ADED-71C8160E04A2}" type="datetimeFigureOut">
               <a:rPr lang="en-US" smtClean="0"/>
               <a:pPr/>
-              <a:t>10/12/20</a:t>
+              <a:t>10/13/20</a:t>
             </a:fld>
             <a:endParaRPr lang="en-US"/>
           </a:p>
@@ -3681,7 +3682,7 @@
             <a:fld id="{DBE77699-C466-4996-ADED-71C8160E04A2}" type="datetimeFigureOut">
               <a:rPr lang="en-US" smtClean="0"/>
               <a:pPr/>
-              <a:t>10/12/20</a:t>
+              <a:t>10/13/20</a:t>
             </a:fld>
             <a:endParaRPr lang="en-US"/>
           </a:p>
@@ -3892,7 +3893,7 @@
             <a:fld id="{DBE77699-C466-4996-ADED-71C8160E04A2}" type="datetimeFigureOut">
               <a:rPr lang="en-US" smtClean="0"/>
               <a:pPr/>
-              <a:t>10/12/20</a:t>
+              <a:t>10/13/20</a:t>
             </a:fld>
             <a:endParaRPr lang="en-US"/>
           </a:p>
@@ -5290,7 +5291,7 @@
 </file>
 
 <file path=ppt/slides/slide10.xml><?xml version="1.0" encoding="utf-8"?>
-<p:sld xmlns:a="http://schemas.openxmlformats.org/drawingml/2006/main" xmlns:r="http://schemas.openxmlformats.org/officeDocument/2006/relationships" xmlns:p="http://schemas.openxmlformats.org/presentationml/2006/main">
+<p:sld xmlns:a="http://schemas.openxmlformats.org/drawingml/2006/main" xmlns:r="http://schemas.openxmlformats.org/officeDocument/2006/relationships" xmlns:p="http://schemas.openxmlformats.org/presentationml/2006/main" show="0">
   <p:cSld>
     <p:spTree>
       <p:nvGrpSpPr>
@@ -5308,7 +5309,13 @@
       </p:grpSpPr>
       <p:sp>
         <p:nvSpPr>
-          <p:cNvPr id="2" name="Title 1"/>
+          <p:cNvPr id="2" name="Title 1">
+            <a:extLst>
+              <a:ext uri="{FF2B5EF4-FFF2-40B4-BE49-F238E27FC236}">
+                <a16:creationId xmlns:a16="http://schemas.microsoft.com/office/drawing/2014/main" id="{C8F392D1-A4F5-744A-9239-99BC6612F901}"/>
+              </a:ext>
+            </a:extLst>
+          </p:cNvPr>
           <p:cNvSpPr>
             <a:spLocks noGrp="1"/>
           </p:cNvSpPr>
@@ -5316,23 +5323,39 @@
             <p:ph type="title"/>
           </p:nvPr>
         </p:nvSpPr>
-        <p:spPr/>
-        <p:txBody>
-          <a:bodyPr>
-            <a:normAutofit fontScale="90000"/>
+        <p:spPr>
+          <a:xfrm>
+            <a:off x="457200" y="152400"/>
+            <a:ext cx="8686800" cy="3962400"/>
+          </a:xfrm>
+        </p:spPr>
+        <p:txBody>
+          <a:bodyPr anchor="b" anchorCtr="0">
+            <a:normAutofit/>
           </a:bodyPr>
           <a:lstStyle/>
           <a:p>
+            <a:pPr>
+              <a:tabLst>
+                <a:tab pos="91440" algn="l"/>
+              </a:tabLst>
+            </a:pPr>
             <a:r>
               <a:rPr lang="en-US" dirty="0"/>
-              <a:t>Consider examples from Jesus’ life that illustrate him being an ambassador</a:t>
-            </a:r>
-          </a:p>
-        </p:txBody>
-      </p:sp>
-      <p:sp>
-        <p:nvSpPr>
-          <p:cNvPr id="3" name="Text Placeholder 2"/>
+              <a:t>“Apologetics needs to focus on the ‘how’ of good apologetics, as much as the ‘what.’”</a:t>
+            </a:r>
+          </a:p>
+        </p:txBody>
+      </p:sp>
+      <p:sp>
+        <p:nvSpPr>
+          <p:cNvPr id="3" name="Text Placeholder 2">
+            <a:extLst>
+              <a:ext uri="{FF2B5EF4-FFF2-40B4-BE49-F238E27FC236}">
+                <a16:creationId xmlns:a16="http://schemas.microsoft.com/office/drawing/2014/main" id="{D79591E0-89A3-7048-B1C5-91B4FFFB65C9}"/>
+              </a:ext>
+            </a:extLst>
+          </p:cNvPr>
           <p:cNvSpPr>
             <a:spLocks noGrp="1"/>
           </p:cNvSpPr>
@@ -5340,14 +5363,41 @@
             <p:ph type="body" sz="quarter" idx="13"/>
           </p:nvPr>
         </p:nvSpPr>
-        <p:spPr/>
-        <p:txBody>
-          <a:bodyPr/>
+        <p:spPr>
+          <a:xfrm>
+            <a:off x="114300" y="4495800"/>
+            <a:ext cx="8915400" cy="1371600"/>
+          </a:xfrm>
+        </p:spPr>
+        <p:txBody>
+          <a:bodyPr>
+            <a:normAutofit lnSpcReduction="10000"/>
+          </a:bodyPr>
           <a:lstStyle/>
           <a:p>
-            <a:r>
-              <a:rPr lang="en-US" dirty="0"/>
-              <a:t>5</a:t>
+            <a:pPr algn="l"/>
+            <a:r>
+              <a:rPr lang="en-US" sz="4400" cap="all" dirty="0">
+                <a:solidFill>
+                  <a:srgbClr val="009EC0"/>
+                </a:solidFill>
+              </a:rPr>
+              <a:t>CASEY CHALK</a:t>
+            </a:r>
+            <a:br>
+              <a:rPr lang="en-US" sz="4400" dirty="0">
+                <a:solidFill>
+                  <a:srgbClr val="009EC0"/>
+                </a:solidFill>
+              </a:rPr>
+            </a:br>
+            <a:r>
+              <a:rPr lang="en-US" sz="4400" b="0" i="1" dirty="0">
+                <a:solidFill>
+                  <a:srgbClr val="009EC0"/>
+                </a:solidFill>
+              </a:rPr>
+              <a:t>Crisis Magazine</a:t>
             </a:r>
           </a:p>
         </p:txBody>
@@ -5355,7 +5405,7 @@
     </p:spTree>
     <p:extLst>
       <p:ext uri="{BB962C8B-B14F-4D97-AF65-F5344CB8AC3E}">
-        <p14:creationId xmlns:p14="http://schemas.microsoft.com/office/powerpoint/2010/main" val="769338172"/>
+        <p14:creationId xmlns:p14="http://schemas.microsoft.com/office/powerpoint/2010/main" val="3651203998"/>
       </p:ext>
     </p:extLst>
   </p:cSld>
@@ -5401,6 +5451,82 @@
           <a:p>
             <a:r>
               <a:rPr lang="en-US" dirty="0"/>
+              <a:t>Consider examples from Jesus’ life that illustrate him being an ambassador</a:t>
+            </a:r>
+          </a:p>
+        </p:txBody>
+      </p:sp>
+      <p:sp>
+        <p:nvSpPr>
+          <p:cNvPr id="3" name="Text Placeholder 2"/>
+          <p:cNvSpPr>
+            <a:spLocks noGrp="1"/>
+          </p:cNvSpPr>
+          <p:nvPr>
+            <p:ph type="body" sz="quarter" idx="13"/>
+          </p:nvPr>
+        </p:nvSpPr>
+        <p:spPr/>
+        <p:txBody>
+          <a:bodyPr/>
+          <a:lstStyle/>
+          <a:p>
+            <a:r>
+              <a:rPr lang="en-US" dirty="0"/>
+              <a:t>5</a:t>
+            </a:r>
+          </a:p>
+        </p:txBody>
+      </p:sp>
+    </p:spTree>
+    <p:extLst>
+      <p:ext uri="{BB962C8B-B14F-4D97-AF65-F5344CB8AC3E}">
+        <p14:creationId xmlns:p14="http://schemas.microsoft.com/office/powerpoint/2010/main" val="769338172"/>
+      </p:ext>
+    </p:extLst>
+  </p:cSld>
+  <p:clrMapOvr>
+    <a:masterClrMapping/>
+  </p:clrMapOvr>
+</p:sld>
+</file>
+
+<file path=ppt/slides/slide12.xml><?xml version="1.0" encoding="utf-8"?>
+<p:sld xmlns:a="http://schemas.openxmlformats.org/drawingml/2006/main" xmlns:r="http://schemas.openxmlformats.org/officeDocument/2006/relationships" xmlns:p="http://schemas.openxmlformats.org/presentationml/2006/main">
+  <p:cSld>
+    <p:spTree>
+      <p:nvGrpSpPr>
+        <p:cNvPr id="1" name=""/>
+        <p:cNvGrpSpPr/>
+        <p:nvPr/>
+      </p:nvGrpSpPr>
+      <p:grpSpPr>
+        <a:xfrm>
+          <a:off x="0" y="0"/>
+          <a:ext cx="0" cy="0"/>
+          <a:chOff x="0" y="0"/>
+          <a:chExt cx="0" cy="0"/>
+        </a:xfrm>
+      </p:grpSpPr>
+      <p:sp>
+        <p:nvSpPr>
+          <p:cNvPr id="2" name="Title 1"/>
+          <p:cNvSpPr>
+            <a:spLocks noGrp="1"/>
+          </p:cNvSpPr>
+          <p:nvPr>
+            <p:ph type="title"/>
+          </p:nvPr>
+        </p:nvSpPr>
+        <p:spPr/>
+        <p:txBody>
+          <a:bodyPr>
+            <a:normAutofit fontScale="90000"/>
+          </a:bodyPr>
+          <a:lstStyle/>
+          <a:p>
+            <a:r>
+              <a:rPr lang="en-US" dirty="0"/>
               <a:t>What are some other examples of people who built bridges to others?</a:t>
             </a:r>
           </a:p>
@@ -5441,7 +5567,7 @@
 </p:sld>
 </file>
 
-<file path=ppt/slides/slide12.xml><?xml version="1.0" encoding="utf-8"?>
+<file path=ppt/slides/slide13.xml><?xml version="1.0" encoding="utf-8"?>
 <p:sld xmlns:a="http://schemas.openxmlformats.org/drawingml/2006/main" xmlns:r="http://schemas.openxmlformats.org/officeDocument/2006/relationships" xmlns:p="http://schemas.openxmlformats.org/presentationml/2006/main">
   <p:cSld>
     <p:spTree>
@@ -6070,7 +6196,7 @@
 </p:sld>
 </file>
 
-<file path=ppt/slides/slide13.xml><?xml version="1.0" encoding="utf-8"?>
+<file path=ppt/slides/slide14.xml><?xml version="1.0" encoding="utf-8"?>
 <p:sld xmlns:a="http://schemas.openxmlformats.org/drawingml/2006/main" xmlns:r="http://schemas.openxmlformats.org/officeDocument/2006/relationships" xmlns:p="http://schemas.openxmlformats.org/presentationml/2006/main">
   <p:cSld>
     <p:spTree>
@@ -6146,7 +6272,7 @@
 </p:sld>
 </file>
 
-<file path=ppt/slides/slide14.xml><?xml version="1.0" encoding="utf-8"?>
+<file path=ppt/slides/slide15.xml><?xml version="1.0" encoding="utf-8"?>
 <p:sld xmlns:a="http://schemas.openxmlformats.org/drawingml/2006/main" xmlns:r="http://schemas.openxmlformats.org/officeDocument/2006/relationships" xmlns:p="http://schemas.openxmlformats.org/presentationml/2006/main">
   <p:cSld>
     <p:spTree>
@@ -8734,7 +8860,22 @@
             </a:r>
             <a:r>
               <a:rPr lang="en-US" sz="3600" dirty="0"/>
-              <a:t> to anyone who asks about the hope you possess.”</a:t>
+              <a:t> to anyone who asks about the hope you possess. </a:t>
+            </a:r>
+            <a:r>
+              <a:rPr lang="en-US" sz="3600" dirty="0">
+                <a:solidFill>
+                  <a:schemeClr val="bg1">
+                    <a:lumMod val="50000"/>
+                    <a:lumOff val="50000"/>
+                  </a:schemeClr>
+                </a:solidFill>
+              </a:rPr>
+              <a:t>But respond with gentleness and respect</a:t>
+            </a:r>
+            <a:r>
+              <a:rPr lang="en-US" sz="3600" dirty="0"/>
+              <a:t>”</a:t>
             </a:r>
           </a:p>
         </p:txBody>
@@ -8849,19 +8990,7 @@
             </a:pPr>
             <a:r>
               <a:rPr lang="en-US" sz="3600" dirty="0"/>
-              <a:t>“Yet do it with </a:t>
-            </a:r>
-            <a:r>
-              <a:rPr lang="en-US" sz="3600" b="1" dirty="0">
-                <a:highlight>
-                  <a:srgbClr val="C00002"/>
-                </a:highlight>
-              </a:rPr>
-              <a:t>courtesy and respect</a:t>
-            </a:r>
-            <a:r>
-              <a:rPr lang="en-US" sz="3600" dirty="0"/>
-              <a:t>, keeping a good conscience, so that those who slander </a:t>
+              <a:t>“keeping a good conscience, so that those who slander </a:t>
             </a:r>
             <a:r>
               <a:rPr lang="en-US" sz="3600" b="1" dirty="0">

--- a/companion-website/public/files/3. Ambassadors for Christ.pptx
+++ b/companion-website/public/files/3. Ambassadors for Christ.pptx
@@ -222,7 +222,7 @@
           <a:p>
             <a:fld id="{8F7EB338-8BB0-B64B-9F79-C87EA24D723F}" type="datetimeFigureOut">
               <a:rPr lang="en-US" smtClean="0"/>
-              <a:t>10/13/20</a:t>
+              <a:t>4/21/21</a:t>
             </a:fld>
             <a:endParaRPr lang="en-US"/>
           </a:p>
@@ -925,7 +925,7 @@
             <a:fld id="{DBE77699-C466-4996-ADED-71C8160E04A2}" type="datetimeFigureOut">
               <a:rPr lang="en-US" smtClean="0"/>
               <a:pPr/>
-              <a:t>10/13/20</a:t>
+              <a:t>4/21/21</a:t>
             </a:fld>
             <a:endParaRPr lang="en-US"/>
           </a:p>
@@ -1090,7 +1090,7 @@
             <a:fld id="{DBE77699-C466-4996-ADED-71C8160E04A2}" type="datetimeFigureOut">
               <a:rPr lang="en-US" smtClean="0"/>
               <a:pPr/>
-              <a:t>10/13/20</a:t>
+              <a:t>4/21/21</a:t>
             </a:fld>
             <a:endParaRPr lang="en-US"/>
           </a:p>
@@ -1265,7 +1265,7 @@
             <a:fld id="{DBE77699-C466-4996-ADED-71C8160E04A2}" type="datetimeFigureOut">
               <a:rPr lang="en-US" smtClean="0"/>
               <a:pPr/>
-              <a:t>10/13/20</a:t>
+              <a:t>4/21/21</a:t>
             </a:fld>
             <a:endParaRPr lang="en-US"/>
           </a:p>
@@ -1384,7 +1384,7 @@
             <a:fld id="{DBE77699-C466-4996-ADED-71C8160E04A2}" type="datetimeFigureOut">
               <a:rPr lang="en-US" smtClean="0"/>
               <a:pPr/>
-              <a:t>10/13/20</a:t>
+              <a:t>4/21/21</a:t>
             </a:fld>
             <a:endParaRPr lang="en-US"/>
           </a:p>
@@ -1806,7 +1806,7 @@
             <a:fld id="{DBE77699-C466-4996-ADED-71C8160E04A2}" type="datetimeFigureOut">
               <a:rPr lang="en-US" smtClean="0"/>
               <a:pPr/>
-              <a:t>10/13/20</a:t>
+              <a:t>4/21/21</a:t>
             </a:fld>
             <a:endParaRPr lang="en-US"/>
           </a:p>
@@ -2015,7 +2015,7 @@
             <a:fld id="{DBE77699-C466-4996-ADED-71C8160E04A2}" type="datetimeFigureOut">
               <a:rPr lang="en-US" smtClean="0"/>
               <a:pPr/>
-              <a:t>10/13/20</a:t>
+              <a:t>4/21/21</a:t>
             </a:fld>
             <a:endParaRPr lang="en-US"/>
           </a:p>
@@ -2257,7 +2257,7 @@
             <a:fld id="{DBE77699-C466-4996-ADED-71C8160E04A2}" type="datetimeFigureOut">
               <a:rPr lang="en-US" smtClean="0"/>
               <a:pPr/>
-              <a:t>10/13/20</a:t>
+              <a:t>4/21/21</a:t>
             </a:fld>
             <a:endParaRPr lang="en-US"/>
           </a:p>
@@ -2539,7 +2539,7 @@
             <a:fld id="{DBE77699-C466-4996-ADED-71C8160E04A2}" type="datetimeFigureOut">
               <a:rPr lang="en-US" smtClean="0"/>
               <a:pPr/>
-              <a:t>10/13/20</a:t>
+              <a:t>4/21/21</a:t>
             </a:fld>
             <a:endParaRPr lang="en-US"/>
           </a:p>
@@ -2955,7 +2955,7 @@
             <a:fld id="{DBE77699-C466-4996-ADED-71C8160E04A2}" type="datetimeFigureOut">
               <a:rPr lang="en-US" smtClean="0"/>
               <a:pPr/>
-              <a:t>10/13/20</a:t>
+              <a:t>4/21/21</a:t>
             </a:fld>
             <a:endParaRPr lang="en-US"/>
           </a:p>
@@ -3069,7 +3069,7 @@
             <a:fld id="{DBE77699-C466-4996-ADED-71C8160E04A2}" type="datetimeFigureOut">
               <a:rPr lang="en-US" smtClean="0"/>
               <a:pPr/>
-              <a:t>10/13/20</a:t>
+              <a:t>4/21/21</a:t>
             </a:fld>
             <a:endParaRPr lang="en-US"/>
           </a:p>
@@ -3161,7 +3161,7 @@
             <a:fld id="{DBE77699-C466-4996-ADED-71C8160E04A2}" type="datetimeFigureOut">
               <a:rPr lang="en-US" smtClean="0"/>
               <a:pPr/>
-              <a:t>10/13/20</a:t>
+              <a:t>4/21/21</a:t>
             </a:fld>
             <a:endParaRPr lang="en-US"/>
           </a:p>
@@ -3433,7 +3433,7 @@
             <a:fld id="{DBE77699-C466-4996-ADED-71C8160E04A2}" type="datetimeFigureOut">
               <a:rPr lang="en-US" smtClean="0"/>
               <a:pPr/>
-              <a:t>10/13/20</a:t>
+              <a:t>4/21/21</a:t>
             </a:fld>
             <a:endParaRPr lang="en-US"/>
           </a:p>
@@ -3682,7 +3682,7 @@
             <a:fld id="{DBE77699-C466-4996-ADED-71C8160E04A2}" type="datetimeFigureOut">
               <a:rPr lang="en-US" smtClean="0"/>
               <a:pPr/>
-              <a:t>10/13/20</a:t>
+              <a:t>4/21/21</a:t>
             </a:fld>
             <a:endParaRPr lang="en-US"/>
           </a:p>
@@ -3893,7 +3893,7 @@
             <a:fld id="{DBE77699-C466-4996-ADED-71C8160E04A2}" type="datetimeFigureOut">
               <a:rPr lang="en-US" smtClean="0"/>
               <a:pPr/>
-              <a:t>10/13/20</a:t>
+              <a:t>4/21/21</a:t>
             </a:fld>
             <a:endParaRPr lang="en-US"/>
           </a:p>
@@ -5473,7 +5473,7 @@
           <a:p>
             <a:r>
               <a:rPr lang="en-US" dirty="0"/>
-              <a:t>5</a:t>
+              <a:t>4</a:t>
             </a:r>
           </a:p>
         </p:txBody>
@@ -5549,7 +5549,7 @@
           <a:p>
             <a:r>
               <a:rPr lang="en-US" dirty="0"/>
-              <a:t>6</a:t>
+              <a:t>5</a:t>
             </a:r>
           </a:p>
         </p:txBody>
@@ -6254,7 +6254,7 @@
           <a:p>
             <a:r>
               <a:rPr lang="en-US" dirty="0"/>
-              <a:t>7</a:t>
+              <a:t>6</a:t>
             </a:r>
           </a:p>
         </p:txBody>
@@ -8548,10 +8548,14 @@
           <a:bodyPr/>
           <a:lstStyle/>
           <a:p>
-            <a:r>
-              <a:rPr lang="en-US" dirty="0"/>
-              <a:t>1</a:t>
-            </a:r>
+            <a:pPr marL="0" indent="0" algn="l" defTabSz="914400" rtl="0" eaLnBrk="1" latinLnBrk="0" hangingPunct="1">
+              <a:spcBef>
+                <a:spcPct val="20000"/>
+              </a:spcBef>
+              <a:buFont typeface="Arial" pitchFamily="34" charset="0"/>
+              <a:buNone/>
+            </a:pPr>
+            <a:endParaRPr lang="en-US" dirty="0"/>
           </a:p>
         </p:txBody>
       </p:sp>
@@ -8626,7 +8630,7 @@
           <a:p>
             <a:r>
               <a:rPr lang="en-US" dirty="0"/>
-              <a:t>2</a:t>
+              <a:t>1</a:t>
             </a:r>
           </a:p>
         </p:txBody>
@@ -8702,7 +8706,7 @@
           <a:p>
             <a:r>
               <a:rPr lang="en-US" dirty="0"/>
-              <a:t>3</a:t>
+              <a:t>2</a:t>
             </a:r>
           </a:p>
         </p:txBody>
@@ -8778,7 +8782,7 @@
           <a:p>
             <a:r>
               <a:rPr lang="en-US" dirty="0"/>
-              <a:t>4</a:t>
+              <a:t>3</a:t>
             </a:r>
           </a:p>
         </p:txBody>
